--- a/presentation/Figure Skating at the 2018 Olympics.pptx
+++ b/presentation/Figure Skating at the 2018 Olympics.pptx
@@ -14,13 +14,14 @@
     <p:sldId id="263" r:id="rId8"/>
     <p:sldId id="264" r:id="rId9"/>
     <p:sldId id="265" r:id="rId10"/>
-    <p:sldId id="266" r:id="rId11"/>
-    <p:sldId id="267" r:id="rId12"/>
-    <p:sldId id="268" r:id="rId13"/>
-    <p:sldId id="269" r:id="rId14"/>
-    <p:sldId id="270" r:id="rId15"/>
-    <p:sldId id="271" r:id="rId16"/>
-    <p:sldId id="257" r:id="rId17"/>
+    <p:sldId id="272" r:id="rId11"/>
+    <p:sldId id="266" r:id="rId12"/>
+    <p:sldId id="267" r:id="rId13"/>
+    <p:sldId id="268" r:id="rId14"/>
+    <p:sldId id="269" r:id="rId15"/>
+    <p:sldId id="270" r:id="rId16"/>
+    <p:sldId id="271" r:id="rId17"/>
+    <p:sldId id="257" r:id="rId18"/>
   </p:sldIdLst>
   <p:sldSz cx="12192000" cy="6858000"/>
   <p:notesSz cx="6858000" cy="9144000"/>
@@ -119,6 +120,11 @@
       </a:defRPr>
     </a:lvl9pPr>
   </p:defaultTextStyle>
+  <p:extLst>
+    <p:ext uri="{EFAFB233-063F-42B5-8137-9DF3F51BA10A}">
+      <p15:sldGuideLst xmlns:p15="http://schemas.microsoft.com/office/powerpoint/2012/main"/>
+    </p:ext>
+  </p:extLst>
 </p:presentation>
 </file>
 
@@ -253,7 +259,7 @@
           <a:p>
             <a:fld id="{DD5903F2-E0A5-453E-B7B0-31DBEA1915F2}" type="datetimeFigureOut">
               <a:rPr lang="bg-BG" smtClean="0"/>
-              <a:t>27.1.2018 г.</a:t>
+              <a:t>28.1.2018 г.</a:t>
             </a:fld>
             <a:endParaRPr lang="bg-BG"/>
           </a:p>
@@ -423,7 +429,7 @@
           <a:p>
             <a:fld id="{DD5903F2-E0A5-453E-B7B0-31DBEA1915F2}" type="datetimeFigureOut">
               <a:rPr lang="bg-BG" smtClean="0"/>
-              <a:t>27.1.2018 г.</a:t>
+              <a:t>28.1.2018 г.</a:t>
             </a:fld>
             <a:endParaRPr lang="bg-BG"/>
           </a:p>
@@ -603,7 +609,7 @@
           <a:p>
             <a:fld id="{DD5903F2-E0A5-453E-B7B0-31DBEA1915F2}" type="datetimeFigureOut">
               <a:rPr lang="bg-BG" smtClean="0"/>
-              <a:t>27.1.2018 г.</a:t>
+              <a:t>28.1.2018 г.</a:t>
             </a:fld>
             <a:endParaRPr lang="bg-BG"/>
           </a:p>
@@ -773,7 +779,7 @@
           <a:p>
             <a:fld id="{DD5903F2-E0A5-453E-B7B0-31DBEA1915F2}" type="datetimeFigureOut">
               <a:rPr lang="bg-BG" smtClean="0"/>
-              <a:t>27.1.2018 г.</a:t>
+              <a:t>28.1.2018 г.</a:t>
             </a:fld>
             <a:endParaRPr lang="bg-BG"/>
           </a:p>
@@ -1019,7 +1025,7 @@
           <a:p>
             <a:fld id="{DD5903F2-E0A5-453E-B7B0-31DBEA1915F2}" type="datetimeFigureOut">
               <a:rPr lang="bg-BG" smtClean="0"/>
-              <a:t>27.1.2018 г.</a:t>
+              <a:t>28.1.2018 г.</a:t>
             </a:fld>
             <a:endParaRPr lang="bg-BG"/>
           </a:p>
@@ -1251,7 +1257,7 @@
           <a:p>
             <a:fld id="{DD5903F2-E0A5-453E-B7B0-31DBEA1915F2}" type="datetimeFigureOut">
               <a:rPr lang="bg-BG" smtClean="0"/>
-              <a:t>27.1.2018 г.</a:t>
+              <a:t>28.1.2018 г.</a:t>
             </a:fld>
             <a:endParaRPr lang="bg-BG"/>
           </a:p>
@@ -1618,7 +1624,7 @@
           <a:p>
             <a:fld id="{DD5903F2-E0A5-453E-B7B0-31DBEA1915F2}" type="datetimeFigureOut">
               <a:rPr lang="bg-BG" smtClean="0"/>
-              <a:t>27.1.2018 г.</a:t>
+              <a:t>28.1.2018 г.</a:t>
             </a:fld>
             <a:endParaRPr lang="bg-BG"/>
           </a:p>
@@ -1736,7 +1742,7 @@
           <a:p>
             <a:fld id="{DD5903F2-E0A5-453E-B7B0-31DBEA1915F2}" type="datetimeFigureOut">
               <a:rPr lang="bg-BG" smtClean="0"/>
-              <a:t>27.1.2018 г.</a:t>
+              <a:t>28.1.2018 г.</a:t>
             </a:fld>
             <a:endParaRPr lang="bg-BG"/>
           </a:p>
@@ -1831,7 +1837,7 @@
           <a:p>
             <a:fld id="{DD5903F2-E0A5-453E-B7B0-31DBEA1915F2}" type="datetimeFigureOut">
               <a:rPr lang="bg-BG" smtClean="0"/>
-              <a:t>27.1.2018 г.</a:t>
+              <a:t>28.1.2018 г.</a:t>
             </a:fld>
             <a:endParaRPr lang="bg-BG"/>
           </a:p>
@@ -2108,7 +2114,7 @@
           <a:p>
             <a:fld id="{DD5903F2-E0A5-453E-B7B0-31DBEA1915F2}" type="datetimeFigureOut">
               <a:rPr lang="bg-BG" smtClean="0"/>
-              <a:t>27.1.2018 г.</a:t>
+              <a:t>28.1.2018 г.</a:t>
             </a:fld>
             <a:endParaRPr lang="bg-BG"/>
           </a:p>
@@ -2361,7 +2367,7 @@
           <a:p>
             <a:fld id="{DD5903F2-E0A5-453E-B7B0-31DBEA1915F2}" type="datetimeFigureOut">
               <a:rPr lang="bg-BG" smtClean="0"/>
-              <a:t>27.1.2018 г.</a:t>
+              <a:t>28.1.2018 г.</a:t>
             </a:fld>
             <a:endParaRPr lang="bg-BG"/>
           </a:p>
@@ -2574,7 +2580,7 @@
           <a:p>
             <a:fld id="{DD5903F2-E0A5-453E-B7B0-31DBEA1915F2}" type="datetimeFigureOut">
               <a:rPr lang="bg-BG" smtClean="0"/>
-              <a:t>27.1.2018 г.</a:t>
+              <a:t>28.1.2018 г.</a:t>
             </a:fld>
             <a:endParaRPr lang="bg-BG"/>
           </a:p>
@@ -3133,6 +3139,167 @@
           <a:p>
             <a:r>
               <a:rPr lang="en-US" dirty="0" smtClean="0"/>
+              <a:t>Methods: Box Plot</a:t>
+            </a:r>
+            <a:endParaRPr lang="bg-BG" dirty="0"/>
+          </a:p>
+        </p:txBody>
+      </p:sp>
+      <p:pic>
+        <p:nvPicPr>
+          <p:cNvPr id="4" name="Picture 3"/>
+          <p:cNvPicPr>
+            <a:picLocks noChangeAspect="1"/>
+          </p:cNvPicPr>
+          <p:nvPr/>
+        </p:nvPicPr>
+        <p:blipFill>
+          <a:blip r:embed="rId2"/>
+          <a:stretch>
+            <a:fillRect/>
+          </a:stretch>
+        </p:blipFill>
+        <p:spPr>
+          <a:xfrm>
+            <a:off x="754235" y="1690688"/>
+            <a:ext cx="4811993" cy="3862012"/>
+          </a:xfrm>
+          <a:prstGeom prst="rect">
+            <a:avLst/>
+          </a:prstGeom>
+        </p:spPr>
+      </p:pic>
+      <p:pic>
+        <p:nvPicPr>
+          <p:cNvPr id="5" name="Picture 4"/>
+          <p:cNvPicPr>
+            <a:picLocks noChangeAspect="1"/>
+          </p:cNvPicPr>
+          <p:nvPr/>
+        </p:nvPicPr>
+        <p:blipFill>
+          <a:blip r:embed="rId3"/>
+          <a:stretch>
+            <a:fillRect/>
+          </a:stretch>
+        </p:blipFill>
+        <p:spPr>
+          <a:xfrm>
+            <a:off x="5694426" y="1765811"/>
+            <a:ext cx="5040592" cy="3942253"/>
+          </a:xfrm>
+          <a:prstGeom prst="rect">
+            <a:avLst/>
+          </a:prstGeom>
+        </p:spPr>
+      </p:pic>
+      <p:sp>
+        <p:nvSpPr>
+          <p:cNvPr id="6" name="TextBox 5"/>
+          <p:cNvSpPr txBox="1"/>
+          <p:nvPr/>
+        </p:nvSpPr>
+        <p:spPr>
+          <a:xfrm>
+            <a:off x="2087988" y="5913121"/>
+            <a:ext cx="2144485" cy="369332"/>
+          </a:xfrm>
+          <a:prstGeom prst="rect">
+            <a:avLst/>
+          </a:prstGeom>
+          <a:noFill/>
+        </p:spPr>
+        <p:txBody>
+          <a:bodyPr wrap="square" rtlCol="0">
+            <a:spAutoFit/>
+          </a:bodyPr>
+          <a:lstStyle/>
+          <a:p>
+            <a:r>
+              <a:rPr lang="en-US" dirty="0" smtClean="0"/>
+              <a:t>Short program TSS</a:t>
+            </a:r>
+            <a:endParaRPr lang="bg-BG" dirty="0"/>
+          </a:p>
+        </p:txBody>
+      </p:sp>
+      <p:sp>
+        <p:nvSpPr>
+          <p:cNvPr id="7" name="TextBox 6"/>
+          <p:cNvSpPr txBox="1"/>
+          <p:nvPr/>
+        </p:nvSpPr>
+        <p:spPr>
+          <a:xfrm>
+            <a:off x="7465531" y="5913121"/>
+            <a:ext cx="2144485" cy="369332"/>
+          </a:xfrm>
+          <a:prstGeom prst="rect">
+            <a:avLst/>
+          </a:prstGeom>
+          <a:noFill/>
+        </p:spPr>
+        <p:txBody>
+          <a:bodyPr wrap="square" rtlCol="0">
+            <a:spAutoFit/>
+          </a:bodyPr>
+          <a:lstStyle/>
+          <a:p>
+            <a:r>
+              <a:rPr lang="en-US" dirty="0" smtClean="0"/>
+              <a:t>Long program TSS</a:t>
+            </a:r>
+            <a:endParaRPr lang="bg-BG" dirty="0"/>
+          </a:p>
+        </p:txBody>
+      </p:sp>
+    </p:spTree>
+    <p:extLst>
+      <p:ext uri="{BB962C8B-B14F-4D97-AF65-F5344CB8AC3E}">
+        <p14:creationId xmlns:p14="http://schemas.microsoft.com/office/powerpoint/2010/main" val="1707265198"/>
+      </p:ext>
+    </p:extLst>
+  </p:cSld>
+  <p:clrMapOvr>
+    <a:masterClrMapping/>
+  </p:clrMapOvr>
+</p:sld>
+</file>
+
+<file path=ppt/slides/slide11.xml><?xml version="1.0" encoding="utf-8"?>
+<p:sld xmlns:a="http://schemas.openxmlformats.org/drawingml/2006/main" xmlns:r="http://schemas.openxmlformats.org/officeDocument/2006/relationships" xmlns:p="http://schemas.openxmlformats.org/presentationml/2006/main">
+  <p:cSld>
+    <p:spTree>
+      <p:nvGrpSpPr>
+        <p:cNvPr id="1" name=""/>
+        <p:cNvGrpSpPr/>
+        <p:nvPr/>
+      </p:nvGrpSpPr>
+      <p:grpSpPr>
+        <a:xfrm>
+          <a:off x="0" y="0"/>
+          <a:ext cx="0" cy="0"/>
+          <a:chOff x="0" y="0"/>
+          <a:chExt cx="0" cy="0"/>
+        </a:xfrm>
+      </p:grpSpPr>
+      <p:sp>
+        <p:nvSpPr>
+          <p:cNvPr id="2" name="Title 1"/>
+          <p:cNvSpPr>
+            <a:spLocks noGrp="1"/>
+          </p:cNvSpPr>
+          <p:nvPr>
+            <p:ph type="title"/>
+          </p:nvPr>
+        </p:nvSpPr>
+        <p:spPr/>
+        <p:txBody>
+          <a:bodyPr/>
+          <a:lstStyle/>
+          <a:p>
+            <a:r>
+              <a:rPr lang="en-US" dirty="0" smtClean="0"/>
               <a:t>Methods: linear regression</a:t>
             </a:r>
             <a:endParaRPr lang="bg-BG" dirty="0"/>
@@ -3258,7 +3425,7 @@
 </p:sld>
 </file>
 
-<file path=ppt/slides/slide11.xml><?xml version="1.0" encoding="utf-8"?>
+<file path=ppt/slides/slide12.xml><?xml version="1.0" encoding="utf-8"?>
 <p:sld xmlns:a="http://schemas.openxmlformats.org/drawingml/2006/main" xmlns:r="http://schemas.openxmlformats.org/officeDocument/2006/relationships" xmlns:p="http://schemas.openxmlformats.org/presentationml/2006/main">
   <p:cSld>
     <p:spTree>
@@ -3372,7 +3539,7 @@
 </p:sld>
 </file>
 
-<file path=ppt/slides/slide12.xml><?xml version="1.0" encoding="utf-8"?>
+<file path=ppt/slides/slide13.xml><?xml version="1.0" encoding="utf-8"?>
 <p:sld xmlns:a="http://schemas.openxmlformats.org/drawingml/2006/main" xmlns:r="http://schemas.openxmlformats.org/officeDocument/2006/relationships" xmlns:p="http://schemas.openxmlformats.org/presentationml/2006/main">
   <p:cSld>
     <p:spTree>
@@ -3494,7 +3661,7 @@
 </p:sld>
 </file>
 
-<file path=ppt/slides/slide13.xml><?xml version="1.0" encoding="utf-8"?>
+<file path=ppt/slides/slide14.xml><?xml version="1.0" encoding="utf-8"?>
 <p:sld xmlns:a="http://schemas.openxmlformats.org/drawingml/2006/main" xmlns:r="http://schemas.openxmlformats.org/officeDocument/2006/relationships" xmlns:p="http://schemas.openxmlformats.org/presentationml/2006/main">
   <p:cSld>
     <p:spTree>
@@ -3628,7 +3795,7 @@
 </p:sld>
 </file>
 
-<file path=ppt/slides/slide14.xml><?xml version="1.0" encoding="utf-8"?>
+<file path=ppt/slides/slide15.xml><?xml version="1.0" encoding="utf-8"?>
 <p:sld xmlns:a="http://schemas.openxmlformats.org/drawingml/2006/main" xmlns:r="http://schemas.openxmlformats.org/officeDocument/2006/relationships" xmlns:p="http://schemas.openxmlformats.org/presentationml/2006/main">
   <p:cSld>
     <p:spTree>
@@ -3754,7 +3921,7 @@
 </p:sld>
 </file>
 
-<file path=ppt/slides/slide15.xml><?xml version="1.0" encoding="utf-8"?>
+<file path=ppt/slides/slide16.xml><?xml version="1.0" encoding="utf-8"?>
 <p:sld xmlns:a="http://schemas.openxmlformats.org/drawingml/2006/main" xmlns:r="http://schemas.openxmlformats.org/officeDocument/2006/relationships" xmlns:p="http://schemas.openxmlformats.org/presentationml/2006/main">
   <p:cSld>
     <p:spTree>
@@ -3973,7 +4140,7 @@
 </p:sld>
 </file>
 
-<file path=ppt/slides/slide16.xml><?xml version="1.0" encoding="utf-8"?>
+<file path=ppt/slides/slide17.xml><?xml version="1.0" encoding="utf-8"?>
 <p:sld xmlns:a="http://schemas.openxmlformats.org/drawingml/2006/main" xmlns:r="http://schemas.openxmlformats.org/officeDocument/2006/relationships" xmlns:p="http://schemas.openxmlformats.org/presentationml/2006/main">
   <p:cSld>
     <p:spTree>

--- a/presentation/Figure Skating at the 2018 Olympics.pptx
+++ b/presentation/Figure Skating at the 2018 Olympics.pptx
@@ -21,7 +21,8 @@
     <p:sldId id="269" r:id="rId15"/>
     <p:sldId id="270" r:id="rId16"/>
     <p:sldId id="271" r:id="rId17"/>
-    <p:sldId id="257" r:id="rId18"/>
+    <p:sldId id="273" r:id="rId18"/>
+    <p:sldId id="257" r:id="rId19"/>
   </p:sldIdLst>
   <p:sldSz cx="12192000" cy="6858000"/>
   <p:notesSz cx="6858000" cy="9144000"/>
@@ -4172,6 +4173,162 @@
           <a:bodyPr/>
           <a:lstStyle/>
           <a:p>
+            <a:r>
+              <a:rPr lang="en-US" dirty="0" smtClean="0"/>
+              <a:t>Future of the project</a:t>
+            </a:r>
+            <a:endParaRPr lang="bg-BG" dirty="0"/>
+          </a:p>
+        </p:txBody>
+      </p:sp>
+      <p:sp>
+        <p:nvSpPr>
+          <p:cNvPr id="3" name="Content Placeholder 2"/>
+          <p:cNvSpPr>
+            <a:spLocks noGrp="1"/>
+          </p:cNvSpPr>
+          <p:nvPr>
+            <p:ph idx="1"/>
+          </p:nvPr>
+        </p:nvSpPr>
+        <p:spPr>
+          <a:xfrm>
+            <a:off x="838200" y="1825625"/>
+            <a:ext cx="8068733" cy="4351338"/>
+          </a:xfrm>
+        </p:spPr>
+        <p:txBody>
+          <a:bodyPr>
+            <a:normAutofit lnSpcReduction="10000"/>
+          </a:bodyPr>
+          <a:lstStyle/>
+          <a:p>
+            <a:r>
+              <a:rPr lang="en-US" dirty="0" smtClean="0"/>
+              <a:t>Lots of data to analyze:</a:t>
+            </a:r>
+          </a:p>
+          <a:p>
+            <a:pPr lvl="1"/>
+            <a:r>
+              <a:rPr lang="en-US" dirty="0" smtClean="0"/>
+              <a:t>Jump content: # of quad jumps per program vs average point value</a:t>
+            </a:r>
+          </a:p>
+          <a:p>
+            <a:pPr lvl="1"/>
+            <a:r>
+              <a:rPr lang="en-US" dirty="0" smtClean="0"/>
+              <a:t>% of clean performances vs performances with errors</a:t>
+            </a:r>
+          </a:p>
+          <a:p>
+            <a:pPr lvl="1"/>
+            <a:r>
+              <a:rPr lang="en-US" dirty="0" smtClean="0"/>
+              <a:t>Avg. costliness of errors (negative GOE) per skater</a:t>
+            </a:r>
+          </a:p>
+          <a:p>
+            <a:pPr lvl="1"/>
+            <a:r>
+              <a:rPr lang="en-US" dirty="0" smtClean="0"/>
+              <a:t>Moment of peaking (best performances) in the season per skater</a:t>
+            </a:r>
+          </a:p>
+          <a:p>
+            <a:pPr lvl="1"/>
+            <a:r>
+              <a:rPr lang="en-US" dirty="0" smtClean="0"/>
+              <a:t>Where each skater gains most points: jumps, spins, step sequences, presentation</a:t>
+            </a:r>
+          </a:p>
+          <a:p>
+            <a:pPr lvl="1"/>
+            <a:r>
+              <a:rPr lang="en-US" dirty="0" smtClean="0"/>
+              <a:t>Strategies for maximizing points according to skaters’ strengths</a:t>
+            </a:r>
+          </a:p>
+          <a:p>
+            <a:pPr lvl="1"/>
+            <a:r>
+              <a:rPr lang="en-US" dirty="0" smtClean="0"/>
+              <a:t>Similar analysis for ladies, pairs and ice dance</a:t>
+            </a:r>
+            <a:endParaRPr lang="bg-BG" dirty="0"/>
+          </a:p>
+        </p:txBody>
+      </p:sp>
+      <p:pic>
+        <p:nvPicPr>
+          <p:cNvPr id="4" name="Picture 3"/>
+          <p:cNvPicPr>
+            <a:picLocks noChangeAspect="1"/>
+          </p:cNvPicPr>
+          <p:nvPr/>
+        </p:nvPicPr>
+        <p:blipFill>
+          <a:blip r:embed="rId2"/>
+          <a:stretch>
+            <a:fillRect/>
+          </a:stretch>
+        </p:blipFill>
+        <p:spPr>
+          <a:xfrm>
+            <a:off x="8813800" y="1367897"/>
+            <a:ext cx="2701422" cy="4597400"/>
+          </a:xfrm>
+          <a:prstGeom prst="rect">
+            <a:avLst/>
+          </a:prstGeom>
+        </p:spPr>
+      </p:pic>
+    </p:spTree>
+    <p:extLst>
+      <p:ext uri="{BB962C8B-B14F-4D97-AF65-F5344CB8AC3E}">
+        <p14:creationId xmlns:p14="http://schemas.microsoft.com/office/powerpoint/2010/main" val="2064902673"/>
+      </p:ext>
+    </p:extLst>
+  </p:cSld>
+  <p:clrMapOvr>
+    <a:masterClrMapping/>
+  </p:clrMapOvr>
+</p:sld>
+</file>
+
+<file path=ppt/slides/slide18.xml><?xml version="1.0" encoding="utf-8"?>
+<p:sld xmlns:a="http://schemas.openxmlformats.org/drawingml/2006/main" xmlns:r="http://schemas.openxmlformats.org/officeDocument/2006/relationships" xmlns:p="http://schemas.openxmlformats.org/presentationml/2006/main">
+  <p:cSld>
+    <p:spTree>
+      <p:nvGrpSpPr>
+        <p:cNvPr id="1" name=""/>
+        <p:cNvGrpSpPr/>
+        <p:nvPr/>
+      </p:nvGrpSpPr>
+      <p:grpSpPr>
+        <a:xfrm>
+          <a:off x="0" y="0"/>
+          <a:ext cx="0" cy="0"/>
+          <a:chOff x="0" y="0"/>
+          <a:chExt cx="0" cy="0"/>
+        </a:xfrm>
+      </p:grpSpPr>
+      <p:sp>
+        <p:nvSpPr>
+          <p:cNvPr id="2" name="Title 1"/>
+          <p:cNvSpPr>
+            <a:spLocks noGrp="1"/>
+          </p:cNvSpPr>
+          <p:nvPr>
+            <p:ph type="title"/>
+          </p:nvPr>
+        </p:nvSpPr>
+        <p:spPr/>
+        <p:txBody>
+          <a:bodyPr/>
+          <a:lstStyle/>
+          <a:p>
             <a:endParaRPr lang="bg-BG"/>
           </a:p>
         </p:txBody>

--- a/presentation/Figure Skating at the 2018 Olympics.pptx
+++ b/presentation/Figure Skating at the 2018 Olympics.pptx
@@ -21,8 +21,9 @@
     <p:sldId id="269" r:id="rId15"/>
     <p:sldId id="270" r:id="rId16"/>
     <p:sldId id="271" r:id="rId17"/>
-    <p:sldId id="273" r:id="rId18"/>
-    <p:sldId id="257" r:id="rId19"/>
+    <p:sldId id="274" r:id="rId18"/>
+    <p:sldId id="273" r:id="rId19"/>
+    <p:sldId id="257" r:id="rId20"/>
   </p:sldIdLst>
   <p:sldSz cx="12192000" cy="6858000"/>
   <p:notesSz cx="6858000" cy="9144000"/>
@@ -260,7 +261,7 @@
           <a:p>
             <a:fld id="{DD5903F2-E0A5-453E-B7B0-31DBEA1915F2}" type="datetimeFigureOut">
               <a:rPr lang="bg-BG" smtClean="0"/>
-              <a:t>28.1.2018 г.</a:t>
+              <a:t>1.2.2018 г.</a:t>
             </a:fld>
             <a:endParaRPr lang="bg-BG"/>
           </a:p>
@@ -430,7 +431,7 @@
           <a:p>
             <a:fld id="{DD5903F2-E0A5-453E-B7B0-31DBEA1915F2}" type="datetimeFigureOut">
               <a:rPr lang="bg-BG" smtClean="0"/>
-              <a:t>28.1.2018 г.</a:t>
+              <a:t>1.2.2018 г.</a:t>
             </a:fld>
             <a:endParaRPr lang="bg-BG"/>
           </a:p>
@@ -610,7 +611,7 @@
           <a:p>
             <a:fld id="{DD5903F2-E0A5-453E-B7B0-31DBEA1915F2}" type="datetimeFigureOut">
               <a:rPr lang="bg-BG" smtClean="0"/>
-              <a:t>28.1.2018 г.</a:t>
+              <a:t>1.2.2018 г.</a:t>
             </a:fld>
             <a:endParaRPr lang="bg-BG"/>
           </a:p>
@@ -780,7 +781,7 @@
           <a:p>
             <a:fld id="{DD5903F2-E0A5-453E-B7B0-31DBEA1915F2}" type="datetimeFigureOut">
               <a:rPr lang="bg-BG" smtClean="0"/>
-              <a:t>28.1.2018 г.</a:t>
+              <a:t>1.2.2018 г.</a:t>
             </a:fld>
             <a:endParaRPr lang="bg-BG"/>
           </a:p>
@@ -1026,7 +1027,7 @@
           <a:p>
             <a:fld id="{DD5903F2-E0A5-453E-B7B0-31DBEA1915F2}" type="datetimeFigureOut">
               <a:rPr lang="bg-BG" smtClean="0"/>
-              <a:t>28.1.2018 г.</a:t>
+              <a:t>1.2.2018 г.</a:t>
             </a:fld>
             <a:endParaRPr lang="bg-BG"/>
           </a:p>
@@ -1258,7 +1259,7 @@
           <a:p>
             <a:fld id="{DD5903F2-E0A5-453E-B7B0-31DBEA1915F2}" type="datetimeFigureOut">
               <a:rPr lang="bg-BG" smtClean="0"/>
-              <a:t>28.1.2018 г.</a:t>
+              <a:t>1.2.2018 г.</a:t>
             </a:fld>
             <a:endParaRPr lang="bg-BG"/>
           </a:p>
@@ -1625,7 +1626,7 @@
           <a:p>
             <a:fld id="{DD5903F2-E0A5-453E-B7B0-31DBEA1915F2}" type="datetimeFigureOut">
               <a:rPr lang="bg-BG" smtClean="0"/>
-              <a:t>28.1.2018 г.</a:t>
+              <a:t>1.2.2018 г.</a:t>
             </a:fld>
             <a:endParaRPr lang="bg-BG"/>
           </a:p>
@@ -1743,7 +1744,7 @@
           <a:p>
             <a:fld id="{DD5903F2-E0A5-453E-B7B0-31DBEA1915F2}" type="datetimeFigureOut">
               <a:rPr lang="bg-BG" smtClean="0"/>
-              <a:t>28.1.2018 г.</a:t>
+              <a:t>1.2.2018 г.</a:t>
             </a:fld>
             <a:endParaRPr lang="bg-BG"/>
           </a:p>
@@ -1838,7 +1839,7 @@
           <a:p>
             <a:fld id="{DD5903F2-E0A5-453E-B7B0-31DBEA1915F2}" type="datetimeFigureOut">
               <a:rPr lang="bg-BG" smtClean="0"/>
-              <a:t>28.1.2018 г.</a:t>
+              <a:t>1.2.2018 г.</a:t>
             </a:fld>
             <a:endParaRPr lang="bg-BG"/>
           </a:p>
@@ -2115,7 +2116,7 @@
           <a:p>
             <a:fld id="{DD5903F2-E0A5-453E-B7B0-31DBEA1915F2}" type="datetimeFigureOut">
               <a:rPr lang="bg-BG" smtClean="0"/>
-              <a:t>28.1.2018 г.</a:t>
+              <a:t>1.2.2018 г.</a:t>
             </a:fld>
             <a:endParaRPr lang="bg-BG"/>
           </a:p>
@@ -2368,7 +2369,7 @@
           <a:p>
             <a:fld id="{DD5903F2-E0A5-453E-B7B0-31DBEA1915F2}" type="datetimeFigureOut">
               <a:rPr lang="bg-BG" smtClean="0"/>
-              <a:t>28.1.2018 г.</a:t>
+              <a:t>1.2.2018 г.</a:t>
             </a:fld>
             <a:endParaRPr lang="bg-BG"/>
           </a:p>
@@ -2581,7 +2582,7 @@
           <a:p>
             <a:fld id="{DD5903F2-E0A5-453E-B7B0-31DBEA1915F2}" type="datetimeFigureOut">
               <a:rPr lang="bg-BG" smtClean="0"/>
-              <a:t>28.1.2018 г.</a:t>
+              <a:t>1.2.2018 г.</a:t>
             </a:fld>
             <a:endParaRPr lang="bg-BG"/>
           </a:p>
@@ -4175,6 +4176,144 @@
           <a:p>
             <a:r>
               <a:rPr lang="en-US" dirty="0" smtClean="0"/>
+              <a:t>Possible applications of the project</a:t>
+            </a:r>
+            <a:endParaRPr lang="bg-BG" dirty="0"/>
+          </a:p>
+        </p:txBody>
+      </p:sp>
+      <p:sp>
+        <p:nvSpPr>
+          <p:cNvPr id="3" name="Content Placeholder 2"/>
+          <p:cNvSpPr>
+            <a:spLocks noGrp="1"/>
+          </p:cNvSpPr>
+          <p:nvPr>
+            <p:ph idx="1"/>
+          </p:nvPr>
+        </p:nvSpPr>
+        <p:spPr>
+          <a:xfrm>
+            <a:off x="4546600" y="1825625"/>
+            <a:ext cx="6807199" cy="4351338"/>
+          </a:xfrm>
+        </p:spPr>
+        <p:txBody>
+          <a:bodyPr/>
+          <a:lstStyle/>
+          <a:p>
+            <a:r>
+              <a:rPr lang="en-US" dirty="0" smtClean="0"/>
+              <a:t>Analysis and predictions of skaters performance can make naming to the Worlds / Olympic team easier for skating federations which want to take into account factors other than placement at Nationals</a:t>
+            </a:r>
+          </a:p>
+          <a:p>
+            <a:pPr lvl="1"/>
+            <a:r>
+              <a:rPr lang="en-US" dirty="0" smtClean="0"/>
+              <a:t>USFSA controversial passing of silver medalist Ross Miner for Worlds and Olympic team in 2018</a:t>
+            </a:r>
+          </a:p>
+          <a:p>
+            <a:r>
+              <a:rPr lang="en-US" dirty="0" err="1" smtClean="0"/>
+              <a:t>Maximise</a:t>
+            </a:r>
+            <a:r>
+              <a:rPr lang="en-US" dirty="0" smtClean="0"/>
+              <a:t> Olympic Team Event chances</a:t>
+            </a:r>
+          </a:p>
+        </p:txBody>
+      </p:sp>
+      <p:pic>
+        <p:nvPicPr>
+          <p:cNvPr id="1026" name="Picture 2" descr="Related image"/>
+          <p:cNvPicPr>
+            <a:picLocks noChangeAspect="1" noChangeArrowheads="1"/>
+          </p:cNvPicPr>
+          <p:nvPr/>
+        </p:nvPicPr>
+        <p:blipFill>
+          <a:blip r:embed="rId2">
+            <a:extLst>
+              <a:ext uri="{28A0092B-C50C-407E-A947-70E740481C1C}">
+                <a14:useLocalDpi xmlns:a14="http://schemas.microsoft.com/office/drawing/2010/main" val="0"/>
+              </a:ext>
+            </a:extLst>
+          </a:blip>
+          <a:srcRect/>
+          <a:stretch>
+            <a:fillRect/>
+          </a:stretch>
+        </p:blipFill>
+        <p:spPr bwMode="auto">
+          <a:xfrm>
+            <a:off x="985308" y="1690688"/>
+            <a:ext cx="3132667" cy="4699000"/>
+          </a:xfrm>
+          <a:prstGeom prst="rect">
+            <a:avLst/>
+          </a:prstGeom>
+          <a:noFill/>
+          <a:extLst>
+            <a:ext uri="{909E8E84-426E-40DD-AFC4-6F175D3DCCD1}">
+              <a14:hiddenFill xmlns:a14="http://schemas.microsoft.com/office/drawing/2010/main">
+                <a:solidFill>
+                  <a:srgbClr val="FFFFFF"/>
+                </a:solidFill>
+              </a14:hiddenFill>
+            </a:ext>
+          </a:extLst>
+        </p:spPr>
+      </p:pic>
+    </p:spTree>
+    <p:extLst>
+      <p:ext uri="{BB962C8B-B14F-4D97-AF65-F5344CB8AC3E}">
+        <p14:creationId xmlns:p14="http://schemas.microsoft.com/office/powerpoint/2010/main" val="2516097867"/>
+      </p:ext>
+    </p:extLst>
+  </p:cSld>
+  <p:clrMapOvr>
+    <a:masterClrMapping/>
+  </p:clrMapOvr>
+</p:sld>
+</file>
+
+<file path=ppt/slides/slide18.xml><?xml version="1.0" encoding="utf-8"?>
+<p:sld xmlns:a="http://schemas.openxmlformats.org/drawingml/2006/main" xmlns:r="http://schemas.openxmlformats.org/officeDocument/2006/relationships" xmlns:p="http://schemas.openxmlformats.org/presentationml/2006/main">
+  <p:cSld>
+    <p:spTree>
+      <p:nvGrpSpPr>
+        <p:cNvPr id="1" name=""/>
+        <p:cNvGrpSpPr/>
+        <p:nvPr/>
+      </p:nvGrpSpPr>
+      <p:grpSpPr>
+        <a:xfrm>
+          <a:off x="0" y="0"/>
+          <a:ext cx="0" cy="0"/>
+          <a:chOff x="0" y="0"/>
+          <a:chExt cx="0" cy="0"/>
+        </a:xfrm>
+      </p:grpSpPr>
+      <p:sp>
+        <p:nvSpPr>
+          <p:cNvPr id="2" name="Title 1"/>
+          <p:cNvSpPr>
+            <a:spLocks noGrp="1"/>
+          </p:cNvSpPr>
+          <p:nvPr>
+            <p:ph type="title"/>
+          </p:nvPr>
+        </p:nvSpPr>
+        <p:spPr/>
+        <p:txBody>
+          <a:bodyPr/>
+          <a:lstStyle/>
+          <a:p>
+            <a:r>
+              <a:rPr lang="en-US" dirty="0" smtClean="0"/>
               <a:t>Future of the project</a:t>
             </a:r>
             <a:endParaRPr lang="bg-BG" dirty="0"/>
@@ -4199,7 +4338,7 @@
         </p:spPr>
         <p:txBody>
           <a:bodyPr>
-            <a:normAutofit lnSpcReduction="10000"/>
+            <a:normAutofit/>
           </a:bodyPr>
           <a:lstStyle/>
           <a:p>
@@ -4212,8 +4351,9 @@
             <a:pPr lvl="1"/>
             <a:r>
               <a:rPr lang="en-US" dirty="0" smtClean="0"/>
-              <a:t>Jump content: # of quad jumps per program vs average point value</a:t>
-            </a:r>
+              <a:t>Group skaters according to ability</a:t>
+            </a:r>
+            <a:endParaRPr lang="en-US" dirty="0" smtClean="0"/>
           </a:p>
           <a:p>
             <a:pPr lvl="1"/>
@@ -4297,7 +4437,7 @@
 </p:sld>
 </file>
 
-<file path=ppt/slides/slide18.xml><?xml version="1.0" encoding="utf-8"?>
+<file path=ppt/slides/slide19.xml><?xml version="1.0" encoding="utf-8"?>
 <p:sld xmlns:a="http://schemas.openxmlformats.org/drawingml/2006/main" xmlns:r="http://schemas.openxmlformats.org/officeDocument/2006/relationships" xmlns:p="http://schemas.openxmlformats.org/presentationml/2006/main">
   <p:cSld>
     <p:spTree>

--- a/presentation/Figure Skating at the 2018 Olympics.pptx
+++ b/presentation/Figure Skating at the 2018 Olympics.pptx
@@ -261,7 +261,7 @@
           <a:p>
             <a:fld id="{DD5903F2-E0A5-453E-B7B0-31DBEA1915F2}" type="datetimeFigureOut">
               <a:rPr lang="bg-BG" smtClean="0"/>
-              <a:t>1.2.2018 г.</a:t>
+              <a:t>2.2.2018 г.</a:t>
             </a:fld>
             <a:endParaRPr lang="bg-BG"/>
           </a:p>
@@ -431,7 +431,7 @@
           <a:p>
             <a:fld id="{DD5903F2-E0A5-453E-B7B0-31DBEA1915F2}" type="datetimeFigureOut">
               <a:rPr lang="bg-BG" smtClean="0"/>
-              <a:t>1.2.2018 г.</a:t>
+              <a:t>2.2.2018 г.</a:t>
             </a:fld>
             <a:endParaRPr lang="bg-BG"/>
           </a:p>
@@ -611,7 +611,7 @@
           <a:p>
             <a:fld id="{DD5903F2-E0A5-453E-B7B0-31DBEA1915F2}" type="datetimeFigureOut">
               <a:rPr lang="bg-BG" smtClean="0"/>
-              <a:t>1.2.2018 г.</a:t>
+              <a:t>2.2.2018 г.</a:t>
             </a:fld>
             <a:endParaRPr lang="bg-BG"/>
           </a:p>
@@ -781,7 +781,7 @@
           <a:p>
             <a:fld id="{DD5903F2-E0A5-453E-B7B0-31DBEA1915F2}" type="datetimeFigureOut">
               <a:rPr lang="bg-BG" smtClean="0"/>
-              <a:t>1.2.2018 г.</a:t>
+              <a:t>2.2.2018 г.</a:t>
             </a:fld>
             <a:endParaRPr lang="bg-BG"/>
           </a:p>
@@ -1027,7 +1027,7 @@
           <a:p>
             <a:fld id="{DD5903F2-E0A5-453E-B7B0-31DBEA1915F2}" type="datetimeFigureOut">
               <a:rPr lang="bg-BG" smtClean="0"/>
-              <a:t>1.2.2018 г.</a:t>
+              <a:t>2.2.2018 г.</a:t>
             </a:fld>
             <a:endParaRPr lang="bg-BG"/>
           </a:p>
@@ -1259,7 +1259,7 @@
           <a:p>
             <a:fld id="{DD5903F2-E0A5-453E-B7B0-31DBEA1915F2}" type="datetimeFigureOut">
               <a:rPr lang="bg-BG" smtClean="0"/>
-              <a:t>1.2.2018 г.</a:t>
+              <a:t>2.2.2018 г.</a:t>
             </a:fld>
             <a:endParaRPr lang="bg-BG"/>
           </a:p>
@@ -1626,7 +1626,7 @@
           <a:p>
             <a:fld id="{DD5903F2-E0A5-453E-B7B0-31DBEA1915F2}" type="datetimeFigureOut">
               <a:rPr lang="bg-BG" smtClean="0"/>
-              <a:t>1.2.2018 г.</a:t>
+              <a:t>2.2.2018 г.</a:t>
             </a:fld>
             <a:endParaRPr lang="bg-BG"/>
           </a:p>
@@ -1744,7 +1744,7 @@
           <a:p>
             <a:fld id="{DD5903F2-E0A5-453E-B7B0-31DBEA1915F2}" type="datetimeFigureOut">
               <a:rPr lang="bg-BG" smtClean="0"/>
-              <a:t>1.2.2018 г.</a:t>
+              <a:t>2.2.2018 г.</a:t>
             </a:fld>
             <a:endParaRPr lang="bg-BG"/>
           </a:p>
@@ -1839,7 +1839,7 @@
           <a:p>
             <a:fld id="{DD5903F2-E0A5-453E-B7B0-31DBEA1915F2}" type="datetimeFigureOut">
               <a:rPr lang="bg-BG" smtClean="0"/>
-              <a:t>1.2.2018 г.</a:t>
+              <a:t>2.2.2018 г.</a:t>
             </a:fld>
             <a:endParaRPr lang="bg-BG"/>
           </a:p>
@@ -2116,7 +2116,7 @@
           <a:p>
             <a:fld id="{DD5903F2-E0A5-453E-B7B0-31DBEA1915F2}" type="datetimeFigureOut">
               <a:rPr lang="bg-BG" smtClean="0"/>
-              <a:t>1.2.2018 г.</a:t>
+              <a:t>2.2.2018 г.</a:t>
             </a:fld>
             <a:endParaRPr lang="bg-BG"/>
           </a:p>
@@ -2369,7 +2369,7 @@
           <a:p>
             <a:fld id="{DD5903F2-E0A5-453E-B7B0-31DBEA1915F2}" type="datetimeFigureOut">
               <a:rPr lang="bg-BG" smtClean="0"/>
-              <a:t>1.2.2018 г.</a:t>
+              <a:t>2.2.2018 г.</a:t>
             </a:fld>
             <a:endParaRPr lang="bg-BG"/>
           </a:p>
@@ -2582,7 +2582,7 @@
           <a:p>
             <a:fld id="{DD5903F2-E0A5-453E-B7B0-31DBEA1915F2}" type="datetimeFigureOut">
               <a:rPr lang="bg-BG" smtClean="0"/>
-              <a:t>1.2.2018 г.</a:t>
+              <a:t>2.2.2018 г.</a:t>
             </a:fld>
             <a:endParaRPr lang="bg-BG"/>
           </a:p>
@@ -4011,8 +4011,8 @@
         </p:blipFill>
         <p:spPr bwMode="auto">
           <a:xfrm>
-            <a:off x="1838325" y="4869891"/>
-            <a:ext cx="2525531" cy="1683687"/>
+            <a:off x="5073740" y="4621377"/>
+            <a:ext cx="2728914" cy="1819275"/>
           </a:xfrm>
           <a:prstGeom prst="rect">
             <a:avLst/>
@@ -4037,7 +4037,7 @@
         </p:nvSpPr>
         <p:spPr>
           <a:xfrm>
-            <a:off x="4572000" y="5111569"/>
+            <a:off x="7926206" y="4976634"/>
             <a:ext cx="3656194" cy="1200329"/>
           </a:xfrm>
           <a:prstGeom prst="rect">
@@ -4107,7 +4107,7 @@
       </p:sp>
       <p:pic>
         <p:nvPicPr>
-          <p:cNvPr id="8" name="Picture 7"/>
+          <p:cNvPr id="5" name="Picture 4"/>
           <p:cNvPicPr>
             <a:picLocks noChangeAspect="1"/>
           </p:cNvPicPr>
@@ -4121,8 +4121,80 @@
         </p:blipFill>
         <p:spPr>
           <a:xfrm>
-            <a:off x="1314450" y="2407301"/>
-            <a:ext cx="9372600" cy="2085975"/>
+            <a:off x="3693583" y="2438121"/>
+            <a:ext cx="2505075" cy="1819275"/>
+          </a:xfrm>
+          <a:prstGeom prst="rect">
+            <a:avLst/>
+          </a:prstGeom>
+        </p:spPr>
+      </p:pic>
+      <p:pic>
+        <p:nvPicPr>
+          <p:cNvPr id="6" name="Picture 5"/>
+          <p:cNvPicPr>
+            <a:picLocks noChangeAspect="1"/>
+          </p:cNvPicPr>
+          <p:nvPr/>
+        </p:nvPicPr>
+        <p:blipFill>
+          <a:blip r:embed="rId4"/>
+          <a:stretch>
+            <a:fillRect/>
+          </a:stretch>
+        </p:blipFill>
+        <p:spPr>
+          <a:xfrm>
+            <a:off x="1022879" y="2438121"/>
+            <a:ext cx="2486025" cy="1819275"/>
+          </a:xfrm>
+          <a:prstGeom prst="rect">
+            <a:avLst/>
+          </a:prstGeom>
+        </p:spPr>
+      </p:pic>
+      <p:pic>
+        <p:nvPicPr>
+          <p:cNvPr id="9" name="Picture 8"/>
+          <p:cNvPicPr>
+            <a:picLocks noChangeAspect="1"/>
+          </p:cNvPicPr>
+          <p:nvPr/>
+        </p:nvPicPr>
+        <p:blipFill>
+          <a:blip r:embed="rId5"/>
+          <a:stretch>
+            <a:fillRect/>
+          </a:stretch>
+        </p:blipFill>
+        <p:spPr>
+          <a:xfrm>
+            <a:off x="6438197" y="2438121"/>
+            <a:ext cx="3657600" cy="1819275"/>
+          </a:xfrm>
+          <a:prstGeom prst="rect">
+            <a:avLst/>
+          </a:prstGeom>
+        </p:spPr>
+      </p:pic>
+      <p:pic>
+        <p:nvPicPr>
+          <p:cNvPr id="10" name="Picture 9"/>
+          <p:cNvPicPr>
+            <a:picLocks noChangeAspect="1"/>
+          </p:cNvPicPr>
+          <p:nvPr/>
+        </p:nvPicPr>
+        <p:blipFill>
+          <a:blip r:embed="rId6"/>
+          <a:stretch>
+            <a:fillRect/>
+          </a:stretch>
+        </p:blipFill>
+        <p:spPr>
+          <a:xfrm>
+            <a:off x="838200" y="4621377"/>
+            <a:ext cx="3895725" cy="1819275"/>
           </a:xfrm>
           <a:prstGeom prst="rect">
             <a:avLst/>
@@ -4353,7 +4425,6 @@
               <a:rPr lang="en-US" dirty="0" smtClean="0"/>
               <a:t>Group skaters according to ability</a:t>
             </a:r>
-            <a:endParaRPr lang="en-US" dirty="0" smtClean="0"/>
           </a:p>
           <a:p>
             <a:pPr lvl="1"/>

--- a/presentation/Figure Skating at the 2018 Olympics.pptx
+++ b/presentation/Figure Skating at the 2018 Olympics.pptx
@@ -3351,30 +3351,6 @@
       </p:sp>
       <p:pic>
         <p:nvPicPr>
-          <p:cNvPr id="4" name="Picture 3"/>
-          <p:cNvPicPr>
-            <a:picLocks noChangeAspect="1"/>
-          </p:cNvPicPr>
-          <p:nvPr/>
-        </p:nvPicPr>
-        <p:blipFill>
-          <a:blip r:embed="rId2"/>
-          <a:stretch>
-            <a:fillRect/>
-          </a:stretch>
-        </p:blipFill>
-        <p:spPr>
-          <a:xfrm>
-            <a:off x="744255" y="2158999"/>
-            <a:ext cx="5852172" cy="4389129"/>
-          </a:xfrm>
-          <a:prstGeom prst="rect">
-            <a:avLst/>
-          </a:prstGeom>
-        </p:spPr>
-      </p:pic>
-      <p:pic>
-        <p:nvPicPr>
           <p:cNvPr id="5122" name="Picture 2" descr="Image result for yuzuru hanyu"/>
           <p:cNvPicPr>
             <a:picLocks noChangeAspect="1" noChangeArrowheads="1"/>
@@ -3382,7 +3358,7 @@
           <p:nvPr/>
         </p:nvPicPr>
         <p:blipFill>
-          <a:blip r:embed="rId3">
+          <a:blip r:embed="rId2">
             <a:extLst>
               <a:ext uri="{28A0092B-C50C-407E-A947-70E740481C1C}">
                 <a14:useLocalDpi xmlns:a14="http://schemas.microsoft.com/office/drawing/2010/main" val="0"/>
@@ -3396,7 +3372,7 @@
         </p:blipFill>
         <p:spPr bwMode="auto">
           <a:xfrm>
-            <a:off x="6596427" y="2878622"/>
+            <a:off x="5851359" y="2577154"/>
             <a:ext cx="4535447" cy="2949884"/>
           </a:xfrm>
           <a:prstGeom prst="rect">
@@ -3412,6 +3388,30 @@
               </a14:hiddenFill>
             </a:ext>
           </a:extLst>
+        </p:spPr>
+      </p:pic>
+      <p:pic>
+        <p:nvPicPr>
+          <p:cNvPr id="5" name="Picture 4"/>
+          <p:cNvPicPr>
+            <a:picLocks noChangeAspect="1"/>
+          </p:cNvPicPr>
+          <p:nvPr/>
+        </p:nvPicPr>
+        <p:blipFill>
+          <a:blip r:embed="rId3"/>
+          <a:stretch>
+            <a:fillRect/>
+          </a:stretch>
+        </p:blipFill>
+        <p:spPr>
+          <a:xfrm>
+            <a:off x="1003295" y="2465683"/>
+            <a:ext cx="4559305" cy="4154915"/>
+          </a:xfrm>
+          <a:prstGeom prst="rect">
+            <a:avLst/>
+          </a:prstGeom>
         </p:spPr>
       </p:pic>
     </p:spTree>
@@ -3498,7 +3498,15 @@
             </a:r>
             <a:r>
               <a:rPr lang="en-US" sz="2400" dirty="0" smtClean="0"/>
-              <a:t> (108.50), Nathan Chen (104.49), Javier Fernandez (103.43)</a:t>
+              <a:t> (108.50), </a:t>
+            </a:r>
+            <a:r>
+              <a:rPr lang="en-US" sz="2400" dirty="0" smtClean="0"/>
+              <a:t>Nathan Chen (104.49), </a:t>
+            </a:r>
+            <a:r>
+              <a:rPr lang="en-US" sz="2400" dirty="0" smtClean="0"/>
+              <a:t>Javier Fernandez (103.43)</a:t>
             </a:r>
             <a:endParaRPr lang="bg-BG" sz="2400" dirty="0"/>
           </a:p>
@@ -3506,7 +3514,7 @@
       </p:sp>
       <p:pic>
         <p:nvPicPr>
-          <p:cNvPr id="4" name="Picture 3"/>
+          <p:cNvPr id="5" name="Picture 4"/>
           <p:cNvPicPr>
             <a:picLocks noChangeAspect="1"/>
           </p:cNvPicPr>
@@ -3520,8 +3528,8 @@
         </p:blipFill>
         <p:spPr>
           <a:xfrm>
-            <a:off x="1911469" y="2205985"/>
-            <a:ext cx="8083312" cy="4389129"/>
+            <a:off x="1844879" y="2485471"/>
+            <a:ext cx="7452375" cy="3986792"/>
           </a:xfrm>
           <a:prstGeom prst="rect">
             <a:avLst/>
@@ -3538,6 +3546,14 @@
   <p:clrMapOvr>
     <a:masterClrMapping/>
   </p:clrMapOvr>
+  <mc:AlternateContent xmlns:mc="http://schemas.openxmlformats.org/markup-compatibility/2006">
+    <mc:Choice xmlns:p14="http://schemas.microsoft.com/office/powerpoint/2010/main" Requires="p14">
+      <p:transition spd="slow" p14:dur="2000"/>
+    </mc:Choice>
+    <mc:Fallback>
+      <p:transition spd="slow"/>
+    </mc:Fallback>
+  </mc:AlternateContent>
 </p:sld>
 </file>
 
@@ -3604,7 +3620,15 @@
             </a:r>
             <a:r>
               <a:rPr lang="en-US" sz="2400" dirty="0" smtClean="0"/>
-              <a:t> Uno (194.72), Nathan Chen (192.70), </a:t>
+              <a:t> Uno (</a:t>
+            </a:r>
+            <a:r>
+              <a:rPr lang="en-US" sz="2400" dirty="0" smtClean="0"/>
+              <a:t>195.33), </a:t>
+            </a:r>
+            <a:r>
+              <a:rPr lang="en-US" sz="2400" dirty="0" smtClean="0"/>
+              <a:t>Nathan Chen (192.70), </a:t>
             </a:r>
             <a:r>
               <a:rPr lang="en-US" sz="2400" dirty="0" err="1" smtClean="0"/>
@@ -3628,7 +3652,7 @@
       </p:sp>
       <p:pic>
         <p:nvPicPr>
-          <p:cNvPr id="4" name="Picture 3"/>
+          <p:cNvPr id="5" name="Picture 4"/>
           <p:cNvPicPr>
             <a:picLocks noChangeAspect="1"/>
           </p:cNvPicPr>
@@ -3642,8 +3666,8 @@
         </p:blipFill>
         <p:spPr>
           <a:xfrm>
-            <a:off x="2050918" y="2288647"/>
-            <a:ext cx="8090163" cy="4282083"/>
+            <a:off x="1916506" y="2502403"/>
+            <a:ext cx="7461519" cy="3986792"/>
           </a:xfrm>
           <a:prstGeom prst="rect">
             <a:avLst/>
@@ -3730,7 +3754,11 @@
             </a:r>
             <a:r>
               <a:rPr lang="en-US" sz="2400" dirty="0" smtClean="0"/>
-              <a:t> Uno (97.36), </a:t>
+              <a:t> Uno (</a:t>
+            </a:r>
+            <a:r>
+              <a:rPr lang="en-US" sz="2400" dirty="0" smtClean="0"/>
+              <a:t>97.05), </a:t>
             </a:r>
             <a:r>
               <a:rPr lang="en-US" sz="2400" dirty="0" err="1" smtClean="0"/>
@@ -3746,7 +3774,15 @@
             </a:r>
             <a:r>
               <a:rPr lang="en-US" sz="2400" dirty="0" smtClean="0"/>
-              <a:t> (91.87), Mikhail </a:t>
+              <a:t> (</a:t>
+            </a:r>
+            <a:r>
+              <a:rPr lang="en-US" sz="2400" dirty="0" smtClean="0"/>
+              <a:t>95.15), </a:t>
+            </a:r>
+            <a:r>
+              <a:rPr lang="en-US" sz="2400" dirty="0" smtClean="0"/>
+              <a:t>Mikhail </a:t>
             </a:r>
             <a:r>
               <a:rPr lang="en-US" sz="2400" dirty="0" err="1" smtClean="0"/>
@@ -3762,7 +3798,7 @@
       </p:sp>
       <p:pic>
         <p:nvPicPr>
-          <p:cNvPr id="6" name="Picture 5"/>
+          <p:cNvPr id="3" name="Picture 2"/>
           <p:cNvPicPr>
             <a:picLocks noChangeAspect="1"/>
           </p:cNvPicPr>
@@ -3776,8 +3812,8 @@
         </p:blipFill>
         <p:spPr>
           <a:xfrm>
-            <a:off x="1369686" y="2272660"/>
-            <a:ext cx="9052578" cy="4389129"/>
+            <a:off x="2292427" y="2468538"/>
+            <a:ext cx="7370079" cy="3986792"/>
           </a:xfrm>
           <a:prstGeom prst="rect">
             <a:avLst/>
@@ -3880,7 +3916,19 @@
             </a:r>
             <a:r>
               <a:rPr lang="en-US" sz="2400" dirty="0" smtClean="0"/>
-              <a:t> Uno (92.69)</a:t>
+              <a:t> </a:t>
+            </a:r>
+            <a:r>
+              <a:rPr lang="en-US" sz="2400" dirty="0" smtClean="0"/>
+              <a:t>Uno / Javier Fernandez </a:t>
+            </a:r>
+            <a:r>
+              <a:rPr lang="en-US" sz="2400" dirty="0" smtClean="0"/>
+              <a:t>(</a:t>
+            </a:r>
+            <a:r>
+              <a:rPr lang="en-US" sz="2400" dirty="0" smtClean="0"/>
+              <a:t>92.45)</a:t>
             </a:r>
             <a:endParaRPr lang="bg-BG" sz="2400" dirty="0"/>
           </a:p>
@@ -3888,7 +3936,7 @@
       </p:sp>
       <p:pic>
         <p:nvPicPr>
-          <p:cNvPr id="4" name="Picture 3"/>
+          <p:cNvPr id="5" name="Picture 4"/>
           <p:cNvPicPr>
             <a:picLocks noChangeAspect="1"/>
           </p:cNvPicPr>
@@ -3902,8 +3950,8 @@
         </p:blipFill>
         <p:spPr>
           <a:xfrm>
-            <a:off x="1600200" y="2290136"/>
-            <a:ext cx="8746626" cy="4257993"/>
+            <a:off x="2125804" y="2646337"/>
+            <a:ext cx="7296926" cy="3986792"/>
           </a:xfrm>
           <a:prstGeom prst="rect">
             <a:avLst/>

--- a/presentation/Figure Skating at the 2018 Olympics.pptx
+++ b/presentation/Figure Skating at the 2018 Olympics.pptx
@@ -3149,7 +3149,7 @@
       </p:sp>
       <p:pic>
         <p:nvPicPr>
-          <p:cNvPr id="4" name="Picture 3"/>
+          <p:cNvPr id="3" name="Picture 2"/>
           <p:cNvPicPr>
             <a:picLocks noChangeAspect="1"/>
           </p:cNvPicPr>
@@ -3163,8 +3163,8 @@
         </p:blipFill>
         <p:spPr>
           <a:xfrm>
-            <a:off x="754235" y="1690688"/>
-            <a:ext cx="4811993" cy="3862012"/>
+            <a:off x="904483" y="1690688"/>
+            <a:ext cx="5191517" cy="4306832"/>
           </a:xfrm>
           <a:prstGeom prst="rect">
             <a:avLst/>
@@ -3173,7 +3173,7 @@
       </p:pic>
       <p:pic>
         <p:nvPicPr>
-          <p:cNvPr id="5" name="Picture 4"/>
+          <p:cNvPr id="8" name="Picture 7"/>
           <p:cNvPicPr>
             <a:picLocks noChangeAspect="1"/>
           </p:cNvPicPr>
@@ -3187,74 +3187,14 @@
         </p:blipFill>
         <p:spPr>
           <a:xfrm>
-            <a:off x="5694426" y="1765811"/>
-            <a:ext cx="5040592" cy="3942253"/>
+            <a:off x="6228566" y="1690688"/>
+            <a:ext cx="5191517" cy="4306832"/>
           </a:xfrm>
           <a:prstGeom prst="rect">
             <a:avLst/>
           </a:prstGeom>
         </p:spPr>
       </p:pic>
-      <p:sp>
-        <p:nvSpPr>
-          <p:cNvPr id="6" name="TextBox 5"/>
-          <p:cNvSpPr txBox="1"/>
-          <p:nvPr/>
-        </p:nvSpPr>
-        <p:spPr>
-          <a:xfrm>
-            <a:off x="2087988" y="5913121"/>
-            <a:ext cx="2144485" cy="369332"/>
-          </a:xfrm>
-          <a:prstGeom prst="rect">
-            <a:avLst/>
-          </a:prstGeom>
-          <a:noFill/>
-        </p:spPr>
-        <p:txBody>
-          <a:bodyPr wrap="square" rtlCol="0">
-            <a:spAutoFit/>
-          </a:bodyPr>
-          <a:lstStyle/>
-          <a:p>
-            <a:r>
-              <a:rPr lang="en-US" dirty="0" smtClean="0"/>
-              <a:t>Short program TSS</a:t>
-            </a:r>
-            <a:endParaRPr lang="bg-BG" dirty="0"/>
-          </a:p>
-        </p:txBody>
-      </p:sp>
-      <p:sp>
-        <p:nvSpPr>
-          <p:cNvPr id="7" name="TextBox 6"/>
-          <p:cNvSpPr txBox="1"/>
-          <p:nvPr/>
-        </p:nvSpPr>
-        <p:spPr>
-          <a:xfrm>
-            <a:off x="7465531" y="5913121"/>
-            <a:ext cx="2144485" cy="369332"/>
-          </a:xfrm>
-          <a:prstGeom prst="rect">
-            <a:avLst/>
-          </a:prstGeom>
-          <a:noFill/>
-        </p:spPr>
-        <p:txBody>
-          <a:bodyPr wrap="square" rtlCol="0">
-            <a:spAutoFit/>
-          </a:bodyPr>
-          <a:lstStyle/>
-          <a:p>
-            <a:r>
-              <a:rPr lang="en-US" dirty="0" smtClean="0"/>
-              <a:t>Long program TSS</a:t>
-            </a:r>
-            <a:endParaRPr lang="bg-BG" dirty="0"/>
-          </a:p>
-        </p:txBody>
-      </p:sp>
     </p:spTree>
     <p:extLst>
       <p:ext uri="{BB962C8B-B14F-4D97-AF65-F5344CB8AC3E}">
@@ -3498,15 +3438,7 @@
             </a:r>
             <a:r>
               <a:rPr lang="en-US" sz="2400" dirty="0" smtClean="0"/>
-              <a:t> (108.50), </a:t>
-            </a:r>
-            <a:r>
-              <a:rPr lang="en-US" sz="2400" dirty="0" smtClean="0"/>
-              <a:t>Nathan Chen (104.49), </a:t>
-            </a:r>
-            <a:r>
-              <a:rPr lang="en-US" sz="2400" dirty="0" smtClean="0"/>
-              <a:t>Javier Fernandez (103.43)</a:t>
+              <a:t> (108.50), Nathan Chen (104.49), Javier Fernandez (103.43)</a:t>
             </a:r>
             <a:endParaRPr lang="bg-BG" sz="2400" dirty="0"/>
           </a:p>
@@ -3546,11 +3478,11 @@
   <p:clrMapOvr>
     <a:masterClrMapping/>
   </p:clrMapOvr>
-  <mc:AlternateContent xmlns:mc="http://schemas.openxmlformats.org/markup-compatibility/2006">
-    <mc:Choice xmlns:p14="http://schemas.microsoft.com/office/powerpoint/2010/main" Requires="p14">
+  <mc:AlternateContent xmlns:mc="http://schemas.openxmlformats.org/markup-compatibility/2006" xmlns:p14="http://schemas.microsoft.com/office/powerpoint/2010/main">
+    <mc:Choice Requires="p14">
       <p:transition spd="slow" p14:dur="2000"/>
     </mc:Choice>
-    <mc:Fallback>
+    <mc:Fallback xmlns="">
       <p:transition spd="slow"/>
     </mc:Fallback>
   </mc:AlternateContent>
@@ -3620,15 +3552,7 @@
             </a:r>
             <a:r>
               <a:rPr lang="en-US" sz="2400" dirty="0" smtClean="0"/>
-              <a:t> Uno (</a:t>
-            </a:r>
-            <a:r>
-              <a:rPr lang="en-US" sz="2400" dirty="0" smtClean="0"/>
-              <a:t>195.33), </a:t>
-            </a:r>
-            <a:r>
-              <a:rPr lang="en-US" sz="2400" dirty="0" smtClean="0"/>
-              <a:t>Nathan Chen (192.70), </a:t>
+              <a:t> Uno (195.33), Nathan Chen (192.70), </a:t>
             </a:r>
             <a:r>
               <a:rPr lang="en-US" sz="2400" dirty="0" err="1" smtClean="0"/>
@@ -3754,11 +3678,7 @@
             </a:r>
             <a:r>
               <a:rPr lang="en-US" sz="2400" dirty="0" smtClean="0"/>
-              <a:t> Uno (</a:t>
-            </a:r>
-            <a:r>
-              <a:rPr lang="en-US" sz="2400" dirty="0" smtClean="0"/>
-              <a:t>97.05), </a:t>
+              <a:t> Uno (97.05), </a:t>
             </a:r>
             <a:r>
               <a:rPr lang="en-US" sz="2400" dirty="0" err="1" smtClean="0"/>
@@ -3774,15 +3694,7 @@
             </a:r>
             <a:r>
               <a:rPr lang="en-US" sz="2400" dirty="0" smtClean="0"/>
-              <a:t> (</a:t>
-            </a:r>
-            <a:r>
-              <a:rPr lang="en-US" sz="2400" dirty="0" smtClean="0"/>
-              <a:t>95.15), </a:t>
-            </a:r>
-            <a:r>
-              <a:rPr lang="en-US" sz="2400" dirty="0" smtClean="0"/>
-              <a:t>Mikhail </a:t>
+              <a:t> (95.15), Mikhail </a:t>
             </a:r>
             <a:r>
               <a:rPr lang="en-US" sz="2400" dirty="0" err="1" smtClean="0"/>
@@ -3916,19 +3828,7 @@
             </a:r>
             <a:r>
               <a:rPr lang="en-US" sz="2400" dirty="0" smtClean="0"/>
-              <a:t> </a:t>
-            </a:r>
-            <a:r>
-              <a:rPr lang="en-US" sz="2400" dirty="0" smtClean="0"/>
-              <a:t>Uno / Javier Fernandez </a:t>
-            </a:r>
-            <a:r>
-              <a:rPr lang="en-US" sz="2400" dirty="0" smtClean="0"/>
-              <a:t>(</a:t>
-            </a:r>
-            <a:r>
-              <a:rPr lang="en-US" sz="2400" dirty="0" smtClean="0"/>
-              <a:t>92.45)</a:t>
+              <a:t> Uno / Javier Fernandez (92.45)</a:t>
             </a:r>
             <a:endParaRPr lang="bg-BG" sz="2400" dirty="0"/>
           </a:p>

--- a/presentation/Figure Skating at the 2018 Olympics.pptx
+++ b/presentation/Figure Skating at the 2018 Olympics.pptx
@@ -15,15 +15,16 @@
     <p:sldId id="264" r:id="rId9"/>
     <p:sldId id="265" r:id="rId10"/>
     <p:sldId id="272" r:id="rId11"/>
-    <p:sldId id="266" r:id="rId12"/>
-    <p:sldId id="267" r:id="rId13"/>
-    <p:sldId id="268" r:id="rId14"/>
-    <p:sldId id="269" r:id="rId15"/>
-    <p:sldId id="270" r:id="rId16"/>
-    <p:sldId id="271" r:id="rId17"/>
-    <p:sldId id="274" r:id="rId18"/>
-    <p:sldId id="273" r:id="rId19"/>
-    <p:sldId id="257" r:id="rId20"/>
+    <p:sldId id="275" r:id="rId12"/>
+    <p:sldId id="266" r:id="rId13"/>
+    <p:sldId id="267" r:id="rId14"/>
+    <p:sldId id="268" r:id="rId15"/>
+    <p:sldId id="269" r:id="rId16"/>
+    <p:sldId id="270" r:id="rId17"/>
+    <p:sldId id="271" r:id="rId18"/>
+    <p:sldId id="274" r:id="rId19"/>
+    <p:sldId id="273" r:id="rId20"/>
+    <p:sldId id="257" r:id="rId21"/>
   </p:sldIdLst>
   <p:sldSz cx="12192000" cy="6858000"/>
   <p:notesSz cx="6858000" cy="9144000"/>
@@ -3242,7 +3243,129 @@
           <a:p>
             <a:r>
               <a:rPr lang="en-US" dirty="0" smtClean="0"/>
-              <a:t>Methods: linear regression</a:t>
+              <a:t>Methods: Plotting Quad Prowess</a:t>
+            </a:r>
+            <a:endParaRPr lang="bg-BG" dirty="0"/>
+          </a:p>
+        </p:txBody>
+      </p:sp>
+      <p:pic>
+        <p:nvPicPr>
+          <p:cNvPr id="4" name="Picture 3"/>
+          <p:cNvPicPr>
+            <a:picLocks noChangeAspect="1"/>
+          </p:cNvPicPr>
+          <p:nvPr/>
+        </p:nvPicPr>
+        <p:blipFill>
+          <a:blip r:embed="rId2"/>
+          <a:stretch>
+            <a:fillRect/>
+          </a:stretch>
+        </p:blipFill>
+        <p:spPr>
+          <a:xfrm>
+            <a:off x="4758155" y="1885514"/>
+            <a:ext cx="5760731" cy="3959360"/>
+          </a:xfrm>
+          <a:prstGeom prst="rect">
+            <a:avLst/>
+          </a:prstGeom>
+        </p:spPr>
+      </p:pic>
+      <p:pic>
+        <p:nvPicPr>
+          <p:cNvPr id="1026" name="Picture 2" descr="Related image"/>
+          <p:cNvPicPr>
+            <a:picLocks noChangeAspect="1" noChangeArrowheads="1"/>
+          </p:cNvPicPr>
+          <p:nvPr/>
+        </p:nvPicPr>
+        <p:blipFill>
+          <a:blip r:embed="rId3">
+            <a:extLst>
+              <a:ext uri="{28A0092B-C50C-407E-A947-70E740481C1C}">
+                <a14:useLocalDpi xmlns:a14="http://schemas.microsoft.com/office/drawing/2010/main" val="0"/>
+              </a:ext>
+            </a:extLst>
+          </a:blip>
+          <a:srcRect/>
+          <a:stretch>
+            <a:fillRect/>
+          </a:stretch>
+        </p:blipFill>
+        <p:spPr bwMode="auto">
+          <a:xfrm>
+            <a:off x="1244600" y="1876232"/>
+            <a:ext cx="2983442" cy="3977923"/>
+          </a:xfrm>
+          <a:prstGeom prst="rect">
+            <a:avLst/>
+          </a:prstGeom>
+          <a:noFill/>
+          <a:extLst>
+            <a:ext uri="{909E8E84-426E-40DD-AFC4-6F175D3DCCD1}">
+              <a14:hiddenFill xmlns:a14="http://schemas.microsoft.com/office/drawing/2010/main">
+                <a:solidFill>
+                  <a:srgbClr val="FFFFFF"/>
+                </a:solidFill>
+              </a14:hiddenFill>
+            </a:ext>
+          </a:extLst>
+        </p:spPr>
+      </p:pic>
+    </p:spTree>
+    <p:extLst>
+      <p:ext uri="{BB962C8B-B14F-4D97-AF65-F5344CB8AC3E}">
+        <p14:creationId xmlns:p14="http://schemas.microsoft.com/office/powerpoint/2010/main" val="1248901330"/>
+      </p:ext>
+    </p:extLst>
+  </p:cSld>
+  <p:clrMapOvr>
+    <a:masterClrMapping/>
+  </p:clrMapOvr>
+</p:sld>
+</file>
+
+<file path=ppt/slides/slide12.xml><?xml version="1.0" encoding="utf-8"?>
+<p:sld xmlns:a="http://schemas.openxmlformats.org/drawingml/2006/main" xmlns:r="http://schemas.openxmlformats.org/officeDocument/2006/relationships" xmlns:p="http://schemas.openxmlformats.org/presentationml/2006/main">
+  <p:cSld>
+    <p:spTree>
+      <p:nvGrpSpPr>
+        <p:cNvPr id="1" name=""/>
+        <p:cNvGrpSpPr/>
+        <p:nvPr/>
+      </p:nvGrpSpPr>
+      <p:grpSpPr>
+        <a:xfrm>
+          <a:off x="0" y="0"/>
+          <a:ext cx="0" cy="0"/>
+          <a:chOff x="0" y="0"/>
+          <a:chExt cx="0" cy="0"/>
+        </a:xfrm>
+      </p:grpSpPr>
+      <p:sp>
+        <p:nvSpPr>
+          <p:cNvPr id="2" name="Title 1"/>
+          <p:cNvSpPr>
+            <a:spLocks noGrp="1"/>
+          </p:cNvSpPr>
+          <p:nvPr>
+            <p:ph type="title"/>
+          </p:nvPr>
+        </p:nvSpPr>
+        <p:spPr/>
+        <p:txBody>
+          <a:bodyPr/>
+          <a:lstStyle/>
+          <a:p>
+            <a:r>
+              <a:rPr lang="en-US" dirty="0" smtClean="0"/>
+              <a:t>Methods: </a:t>
+            </a:r>
+            <a:r>
+              <a:rPr lang="en-US" dirty="0" smtClean="0"/>
+              <a:t>Linear Regression</a:t>
             </a:r>
             <a:endParaRPr lang="bg-BG" dirty="0"/>
           </a:p>
@@ -3367,7 +3490,7 @@
 </p:sld>
 </file>
 
-<file path=ppt/slides/slide12.xml><?xml version="1.0" encoding="utf-8"?>
+<file path=ppt/slides/slide13.xml><?xml version="1.0" encoding="utf-8"?>
 <p:sld xmlns:a="http://schemas.openxmlformats.org/drawingml/2006/main" xmlns:r="http://schemas.openxmlformats.org/officeDocument/2006/relationships" xmlns:p="http://schemas.openxmlformats.org/presentationml/2006/main">
   <p:cSld>
     <p:spTree>
@@ -3489,7 +3612,7 @@
 </p:sld>
 </file>
 
-<file path=ppt/slides/slide13.xml><?xml version="1.0" encoding="utf-8"?>
+<file path=ppt/slides/slide14.xml><?xml version="1.0" encoding="utf-8"?>
 <p:sld xmlns:a="http://schemas.openxmlformats.org/drawingml/2006/main" xmlns:r="http://schemas.openxmlformats.org/officeDocument/2006/relationships" xmlns:p="http://schemas.openxmlformats.org/presentationml/2006/main">
   <p:cSld>
     <p:spTree>
@@ -3611,7 +3734,7 @@
 </p:sld>
 </file>
 
-<file path=ppt/slides/slide14.xml><?xml version="1.0" encoding="utf-8"?>
+<file path=ppt/slides/slide15.xml><?xml version="1.0" encoding="utf-8"?>
 <p:sld xmlns:a="http://schemas.openxmlformats.org/drawingml/2006/main" xmlns:r="http://schemas.openxmlformats.org/officeDocument/2006/relationships" xmlns:p="http://schemas.openxmlformats.org/presentationml/2006/main">
   <p:cSld>
     <p:spTree>
@@ -3745,7 +3868,7 @@
 </p:sld>
 </file>
 
-<file path=ppt/slides/slide15.xml><?xml version="1.0" encoding="utf-8"?>
+<file path=ppt/slides/slide16.xml><?xml version="1.0" encoding="utf-8"?>
 <p:sld xmlns:a="http://schemas.openxmlformats.org/drawingml/2006/main" xmlns:r="http://schemas.openxmlformats.org/officeDocument/2006/relationships" xmlns:p="http://schemas.openxmlformats.org/presentationml/2006/main">
   <p:cSld>
     <p:spTree>
@@ -3871,7 +3994,7 @@
 </p:sld>
 </file>
 
-<file path=ppt/slides/slide16.xml><?xml version="1.0" encoding="utf-8"?>
+<file path=ppt/slides/slide17.xml><?xml version="1.0" encoding="utf-8"?>
 <p:sld xmlns:a="http://schemas.openxmlformats.org/drawingml/2006/main" xmlns:r="http://schemas.openxmlformats.org/officeDocument/2006/relationships" xmlns:p="http://schemas.openxmlformats.org/presentationml/2006/main">
   <p:cSld>
     <p:spTree>
@@ -4162,7 +4285,7 @@
 </p:sld>
 </file>
 
-<file path=ppt/slides/slide17.xml><?xml version="1.0" encoding="utf-8"?>
+<file path=ppt/slides/slide18.xml><?xml version="1.0" encoding="utf-8"?>
 <p:sld xmlns:a="http://schemas.openxmlformats.org/drawingml/2006/main" xmlns:r="http://schemas.openxmlformats.org/officeDocument/2006/relationships" xmlns:p="http://schemas.openxmlformats.org/presentationml/2006/main">
   <p:cSld>
     <p:spTree>
@@ -4300,7 +4423,7 @@
 </p:sld>
 </file>
 
-<file path=ppt/slides/slide18.xml><?xml version="1.0" encoding="utf-8"?>
+<file path=ppt/slides/slide19.xml><?xml version="1.0" encoding="utf-8"?>
 <p:sld xmlns:a="http://schemas.openxmlformats.org/drawingml/2006/main" xmlns:r="http://schemas.openxmlformats.org/officeDocument/2006/relationships" xmlns:p="http://schemas.openxmlformats.org/presentationml/2006/main">
   <p:cSld>
     <p:spTree>
@@ -4456,7 +4579,95 @@
 </p:sld>
 </file>
 
-<file path=ppt/slides/slide19.xml><?xml version="1.0" encoding="utf-8"?>
+<file path=ppt/slides/slide2.xml><?xml version="1.0" encoding="utf-8"?>
+<p:sld xmlns:a="http://schemas.openxmlformats.org/drawingml/2006/main" xmlns:r="http://schemas.openxmlformats.org/officeDocument/2006/relationships" xmlns:p="http://schemas.openxmlformats.org/presentationml/2006/main">
+  <p:cSld>
+    <p:spTree>
+      <p:nvGrpSpPr>
+        <p:cNvPr id="1" name=""/>
+        <p:cNvGrpSpPr/>
+        <p:nvPr/>
+      </p:nvGrpSpPr>
+      <p:grpSpPr>
+        <a:xfrm>
+          <a:off x="0" y="0"/>
+          <a:ext cx="0" cy="0"/>
+          <a:chOff x="0" y="0"/>
+          <a:chExt cx="0" cy="0"/>
+        </a:xfrm>
+      </p:grpSpPr>
+      <p:sp>
+        <p:nvSpPr>
+          <p:cNvPr id="2" name="Title 1"/>
+          <p:cNvSpPr>
+            <a:spLocks noGrp="1"/>
+          </p:cNvSpPr>
+          <p:nvPr>
+            <p:ph type="title"/>
+          </p:nvPr>
+        </p:nvSpPr>
+        <p:spPr/>
+        <p:txBody>
+          <a:bodyPr/>
+          <a:lstStyle/>
+          <a:p>
+            <a:r>
+              <a:rPr lang="en-US" dirty="0" smtClean="0"/>
+              <a:t>Background information</a:t>
+            </a:r>
+            <a:endParaRPr lang="bg-BG" dirty="0"/>
+          </a:p>
+        </p:txBody>
+      </p:sp>
+      <p:sp>
+        <p:nvSpPr>
+          <p:cNvPr id="3" name="Content Placeholder 2"/>
+          <p:cNvSpPr>
+            <a:spLocks noGrp="1"/>
+          </p:cNvSpPr>
+          <p:nvPr>
+            <p:ph idx="1"/>
+          </p:nvPr>
+        </p:nvSpPr>
+        <p:spPr/>
+        <p:txBody>
+          <a:bodyPr/>
+          <a:lstStyle/>
+          <a:p>
+            <a:r>
+              <a:rPr lang="en-US" dirty="0" smtClean="0"/>
+              <a:t>Skaters compete in four disciplines at the Olympic games: ladies singles, men singles, pairs and ice dancing</a:t>
+            </a:r>
+          </a:p>
+          <a:p>
+            <a:r>
+              <a:rPr lang="en-US" dirty="0" smtClean="0"/>
+              <a:t>All disciplines have progressed technically since the start of the current Olympic cycle but the men’s event promises to be the most exciting due to the difficulty of technical elements performed</a:t>
+            </a:r>
+          </a:p>
+          <a:p>
+            <a:r>
+              <a:rPr lang="en-US" dirty="0" smtClean="0"/>
+              <a:t>A crop of very talented men is going to compete for a place on the podium by means of a quadruple jump contest: 5 out of the 6 possible figure skating jumps are now attempted as quadruple jumps</a:t>
+            </a:r>
+            <a:endParaRPr lang="bg-BG" dirty="0"/>
+          </a:p>
+        </p:txBody>
+      </p:sp>
+    </p:spTree>
+    <p:extLst>
+      <p:ext uri="{BB962C8B-B14F-4D97-AF65-F5344CB8AC3E}">
+        <p14:creationId xmlns:p14="http://schemas.microsoft.com/office/powerpoint/2010/main" val="3805459270"/>
+      </p:ext>
+    </p:extLst>
+  </p:cSld>
+  <p:clrMapOvr>
+    <a:masterClrMapping/>
+  </p:clrMapOvr>
+</p:sld>
+</file>
+
+<file path=ppt/slides/slide20.xml><?xml version="1.0" encoding="utf-8"?>
 <p:sld xmlns:a="http://schemas.openxmlformats.org/drawingml/2006/main" xmlns:r="http://schemas.openxmlformats.org/officeDocument/2006/relationships" xmlns:p="http://schemas.openxmlformats.org/presentationml/2006/main">
   <p:cSld>
     <p:spTree>
@@ -4594,94 +4805,6 @@
     <p:extLst>
       <p:ext uri="{BB962C8B-B14F-4D97-AF65-F5344CB8AC3E}">
         <p14:creationId xmlns:p14="http://schemas.microsoft.com/office/powerpoint/2010/main" val="2704833015"/>
-      </p:ext>
-    </p:extLst>
-  </p:cSld>
-  <p:clrMapOvr>
-    <a:masterClrMapping/>
-  </p:clrMapOvr>
-</p:sld>
-</file>
-
-<file path=ppt/slides/slide2.xml><?xml version="1.0" encoding="utf-8"?>
-<p:sld xmlns:a="http://schemas.openxmlformats.org/drawingml/2006/main" xmlns:r="http://schemas.openxmlformats.org/officeDocument/2006/relationships" xmlns:p="http://schemas.openxmlformats.org/presentationml/2006/main">
-  <p:cSld>
-    <p:spTree>
-      <p:nvGrpSpPr>
-        <p:cNvPr id="1" name=""/>
-        <p:cNvGrpSpPr/>
-        <p:nvPr/>
-      </p:nvGrpSpPr>
-      <p:grpSpPr>
-        <a:xfrm>
-          <a:off x="0" y="0"/>
-          <a:ext cx="0" cy="0"/>
-          <a:chOff x="0" y="0"/>
-          <a:chExt cx="0" cy="0"/>
-        </a:xfrm>
-      </p:grpSpPr>
-      <p:sp>
-        <p:nvSpPr>
-          <p:cNvPr id="2" name="Title 1"/>
-          <p:cNvSpPr>
-            <a:spLocks noGrp="1"/>
-          </p:cNvSpPr>
-          <p:nvPr>
-            <p:ph type="title"/>
-          </p:nvPr>
-        </p:nvSpPr>
-        <p:spPr/>
-        <p:txBody>
-          <a:bodyPr/>
-          <a:lstStyle/>
-          <a:p>
-            <a:r>
-              <a:rPr lang="en-US" dirty="0" smtClean="0"/>
-              <a:t>Background information</a:t>
-            </a:r>
-            <a:endParaRPr lang="bg-BG" dirty="0"/>
-          </a:p>
-        </p:txBody>
-      </p:sp>
-      <p:sp>
-        <p:nvSpPr>
-          <p:cNvPr id="3" name="Content Placeholder 2"/>
-          <p:cNvSpPr>
-            <a:spLocks noGrp="1"/>
-          </p:cNvSpPr>
-          <p:nvPr>
-            <p:ph idx="1"/>
-          </p:nvPr>
-        </p:nvSpPr>
-        <p:spPr/>
-        <p:txBody>
-          <a:bodyPr/>
-          <a:lstStyle/>
-          <a:p>
-            <a:r>
-              <a:rPr lang="en-US" dirty="0" smtClean="0"/>
-              <a:t>Skaters compete in four disciplines at the Olympic games: ladies singles, men singles, pairs and ice dancing</a:t>
-            </a:r>
-          </a:p>
-          <a:p>
-            <a:r>
-              <a:rPr lang="en-US" dirty="0" smtClean="0"/>
-              <a:t>All disciplines have progressed technically since the start of the current Olympic cycle but the men’s event promises to be the most exciting due to the difficulty of technical elements performed</a:t>
-            </a:r>
-          </a:p>
-          <a:p>
-            <a:r>
-              <a:rPr lang="en-US" dirty="0" smtClean="0"/>
-              <a:t>A crop of very talented men is going to compete for a place on the podium by means of a quadruple jump contest: 5 out of the 6 possible figure skating jumps are now attempted as quadruple jumps</a:t>
-            </a:r>
-            <a:endParaRPr lang="bg-BG" dirty="0"/>
-          </a:p>
-        </p:txBody>
-      </p:sp>
-    </p:spTree>
-    <p:extLst>
-      <p:ext uri="{BB962C8B-B14F-4D97-AF65-F5344CB8AC3E}">
-        <p14:creationId xmlns:p14="http://schemas.microsoft.com/office/powerpoint/2010/main" val="3805459270"/>
       </p:ext>
     </p:extLst>
   </p:cSld>
@@ -5166,7 +5289,11 @@
           <a:p>
             <a:r>
               <a:rPr lang="en-US" dirty="0" smtClean="0"/>
-              <a:t>Methods: plotting datasets</a:t>
+              <a:t>Methods: </a:t>
+            </a:r>
+            <a:r>
+              <a:rPr lang="en-US" dirty="0" smtClean="0"/>
+              <a:t>Plotting skaters data</a:t>
             </a:r>
             <a:endParaRPr lang="bg-BG" dirty="0"/>
           </a:p>

--- a/presentation/Figure Skating at the 2018 Olympics.pptx
+++ b/presentation/Figure Skating at the 2018 Olympics.pptx
@@ -12,19 +12,18 @@
     <p:sldId id="261" r:id="rId6"/>
     <p:sldId id="262" r:id="rId7"/>
     <p:sldId id="263" r:id="rId8"/>
-    <p:sldId id="264" r:id="rId9"/>
-    <p:sldId id="265" r:id="rId10"/>
-    <p:sldId id="272" r:id="rId11"/>
-    <p:sldId id="275" r:id="rId12"/>
-    <p:sldId id="266" r:id="rId13"/>
-    <p:sldId id="267" r:id="rId14"/>
-    <p:sldId id="268" r:id="rId15"/>
-    <p:sldId id="269" r:id="rId16"/>
-    <p:sldId id="270" r:id="rId17"/>
-    <p:sldId id="271" r:id="rId18"/>
-    <p:sldId id="274" r:id="rId19"/>
-    <p:sldId id="273" r:id="rId20"/>
-    <p:sldId id="257" r:id="rId21"/>
+    <p:sldId id="276" r:id="rId9"/>
+    <p:sldId id="272" r:id="rId10"/>
+    <p:sldId id="275" r:id="rId11"/>
+    <p:sldId id="266" r:id="rId12"/>
+    <p:sldId id="267" r:id="rId13"/>
+    <p:sldId id="268" r:id="rId14"/>
+    <p:sldId id="269" r:id="rId15"/>
+    <p:sldId id="270" r:id="rId16"/>
+    <p:sldId id="271" r:id="rId17"/>
+    <p:sldId id="274" r:id="rId18"/>
+    <p:sldId id="273" r:id="rId19"/>
+    <p:sldId id="257" r:id="rId20"/>
   </p:sldIdLst>
   <p:sldSz cx="12192000" cy="6858000"/>
   <p:notesSz cx="6858000" cy="9144000"/>
@@ -3095,6 +3094,45 @@
           </a:extLst>
         </p:spPr>
       </p:pic>
+      <p:sp>
+        <p:nvSpPr>
+          <p:cNvPr id="4" name="TextBox 3"/>
+          <p:cNvSpPr txBox="1"/>
+          <p:nvPr/>
+        </p:nvSpPr>
+        <p:spPr>
+          <a:xfrm>
+            <a:off x="8839200" y="5887453"/>
+            <a:ext cx="2614863" cy="369332"/>
+          </a:xfrm>
+          <a:prstGeom prst="rect">
+            <a:avLst/>
+          </a:prstGeom>
+          <a:noFill/>
+        </p:spPr>
+        <p:txBody>
+          <a:bodyPr wrap="square" rtlCol="0">
+            <a:spAutoFit/>
+          </a:bodyPr>
+          <a:lstStyle/>
+          <a:p>
+            <a:pPr algn="r"/>
+            <a:r>
+              <a:rPr lang="en-US" dirty="0" smtClean="0"/>
+              <a:t>Nina </a:t>
+            </a:r>
+            <a:r>
+              <a:rPr lang="en-US" dirty="0" err="1" smtClean="0"/>
+              <a:t>Anatchkova</a:t>
+            </a:r>
+            <a:r>
+              <a:rPr lang="en-US" dirty="0" smtClean="0"/>
+              <a:t>, 25564</a:t>
+            </a:r>
+            <a:endParaRPr lang="bg-BG" dirty="0"/>
+          </a:p>
+        </p:txBody>
+      </p:sp>
     </p:spTree>
     <p:extLst>
       <p:ext uri="{BB962C8B-B14F-4D97-AF65-F5344CB8AC3E}">
@@ -3109,107 +3147,6 @@
 </file>
 
 <file path=ppt/slides/slide10.xml><?xml version="1.0" encoding="utf-8"?>
-<p:sld xmlns:a="http://schemas.openxmlformats.org/drawingml/2006/main" xmlns:r="http://schemas.openxmlformats.org/officeDocument/2006/relationships" xmlns:p="http://schemas.openxmlformats.org/presentationml/2006/main">
-  <p:cSld>
-    <p:spTree>
-      <p:nvGrpSpPr>
-        <p:cNvPr id="1" name=""/>
-        <p:cNvGrpSpPr/>
-        <p:nvPr/>
-      </p:nvGrpSpPr>
-      <p:grpSpPr>
-        <a:xfrm>
-          <a:off x="0" y="0"/>
-          <a:ext cx="0" cy="0"/>
-          <a:chOff x="0" y="0"/>
-          <a:chExt cx="0" cy="0"/>
-        </a:xfrm>
-      </p:grpSpPr>
-      <p:sp>
-        <p:nvSpPr>
-          <p:cNvPr id="2" name="Title 1"/>
-          <p:cNvSpPr>
-            <a:spLocks noGrp="1"/>
-          </p:cNvSpPr>
-          <p:nvPr>
-            <p:ph type="title"/>
-          </p:nvPr>
-        </p:nvSpPr>
-        <p:spPr/>
-        <p:txBody>
-          <a:bodyPr/>
-          <a:lstStyle/>
-          <a:p>
-            <a:r>
-              <a:rPr lang="en-US" dirty="0" smtClean="0"/>
-              <a:t>Methods: Box Plot</a:t>
-            </a:r>
-            <a:endParaRPr lang="bg-BG" dirty="0"/>
-          </a:p>
-        </p:txBody>
-      </p:sp>
-      <p:pic>
-        <p:nvPicPr>
-          <p:cNvPr id="3" name="Picture 2"/>
-          <p:cNvPicPr>
-            <a:picLocks noChangeAspect="1"/>
-          </p:cNvPicPr>
-          <p:nvPr/>
-        </p:nvPicPr>
-        <p:blipFill>
-          <a:blip r:embed="rId2"/>
-          <a:stretch>
-            <a:fillRect/>
-          </a:stretch>
-        </p:blipFill>
-        <p:spPr>
-          <a:xfrm>
-            <a:off x="904483" y="1690688"/>
-            <a:ext cx="5191517" cy="4306832"/>
-          </a:xfrm>
-          <a:prstGeom prst="rect">
-            <a:avLst/>
-          </a:prstGeom>
-        </p:spPr>
-      </p:pic>
-      <p:pic>
-        <p:nvPicPr>
-          <p:cNvPr id="8" name="Picture 7"/>
-          <p:cNvPicPr>
-            <a:picLocks noChangeAspect="1"/>
-          </p:cNvPicPr>
-          <p:nvPr/>
-        </p:nvPicPr>
-        <p:blipFill>
-          <a:blip r:embed="rId3"/>
-          <a:stretch>
-            <a:fillRect/>
-          </a:stretch>
-        </p:blipFill>
-        <p:spPr>
-          <a:xfrm>
-            <a:off x="6228566" y="1690688"/>
-            <a:ext cx="5191517" cy="4306832"/>
-          </a:xfrm>
-          <a:prstGeom prst="rect">
-            <a:avLst/>
-          </a:prstGeom>
-        </p:spPr>
-      </p:pic>
-    </p:spTree>
-    <p:extLst>
-      <p:ext uri="{BB962C8B-B14F-4D97-AF65-F5344CB8AC3E}">
-        <p14:creationId xmlns:p14="http://schemas.microsoft.com/office/powerpoint/2010/main" val="1707265198"/>
-      </p:ext>
-    </p:extLst>
-  </p:cSld>
-  <p:clrMapOvr>
-    <a:masterClrMapping/>
-  </p:clrMapOvr>
-</p:sld>
-</file>
-
-<file path=ppt/slides/slide11.xml><?xml version="1.0" encoding="utf-8"?>
 <p:sld xmlns:a="http://schemas.openxmlformats.org/drawingml/2006/main" xmlns:r="http://schemas.openxmlformats.org/officeDocument/2006/relationships" xmlns:p="http://schemas.openxmlformats.org/presentationml/2006/main">
   <p:cSld>
     <p:spTree>
@@ -3296,7 +3233,7 @@
         </p:blipFill>
         <p:spPr bwMode="auto">
           <a:xfrm>
-            <a:off x="1244600" y="1876232"/>
+            <a:off x="1151468" y="1866951"/>
             <a:ext cx="2983442" cy="3977923"/>
           </a:xfrm>
           <a:prstGeom prst="rect">
@@ -3327,7 +3264,7 @@
 </p:sld>
 </file>
 
-<file path=ppt/slides/slide12.xml><?xml version="1.0" encoding="utf-8"?>
+<file path=ppt/slides/slide11.xml><?xml version="1.0" encoding="utf-8"?>
 <p:sld xmlns:a="http://schemas.openxmlformats.org/drawingml/2006/main" xmlns:r="http://schemas.openxmlformats.org/officeDocument/2006/relationships" xmlns:p="http://schemas.openxmlformats.org/presentationml/2006/main">
   <p:cSld>
     <p:spTree>
@@ -3361,11 +3298,7 @@
           <a:p>
             <a:r>
               <a:rPr lang="en-US" dirty="0" smtClean="0"/>
-              <a:t>Methods: </a:t>
-            </a:r>
-            <a:r>
-              <a:rPr lang="en-US" dirty="0" smtClean="0"/>
-              <a:t>Linear Regression</a:t>
+              <a:t>Methods: Linear Regression</a:t>
             </a:r>
             <a:endParaRPr lang="bg-BG" dirty="0"/>
           </a:p>
@@ -3490,7 +3423,7 @@
 </p:sld>
 </file>
 
-<file path=ppt/slides/slide13.xml><?xml version="1.0" encoding="utf-8"?>
+<file path=ppt/slides/slide12.xml><?xml version="1.0" encoding="utf-8"?>
 <p:sld xmlns:a="http://schemas.openxmlformats.org/drawingml/2006/main" xmlns:r="http://schemas.openxmlformats.org/officeDocument/2006/relationships" xmlns:p="http://schemas.openxmlformats.org/presentationml/2006/main">
   <p:cSld>
     <p:spTree>
@@ -3612,7 +3545,7 @@
 </p:sld>
 </file>
 
-<file path=ppt/slides/slide14.xml><?xml version="1.0" encoding="utf-8"?>
+<file path=ppt/slides/slide13.xml><?xml version="1.0" encoding="utf-8"?>
 <p:sld xmlns:a="http://schemas.openxmlformats.org/drawingml/2006/main" xmlns:r="http://schemas.openxmlformats.org/officeDocument/2006/relationships" xmlns:p="http://schemas.openxmlformats.org/presentationml/2006/main">
   <p:cSld>
     <p:spTree>
@@ -3734,7 +3667,7 @@
 </p:sld>
 </file>
 
-<file path=ppt/slides/slide15.xml><?xml version="1.0" encoding="utf-8"?>
+<file path=ppt/slides/slide14.xml><?xml version="1.0" encoding="utf-8"?>
 <p:sld xmlns:a="http://schemas.openxmlformats.org/drawingml/2006/main" xmlns:r="http://schemas.openxmlformats.org/officeDocument/2006/relationships" xmlns:p="http://schemas.openxmlformats.org/presentationml/2006/main">
   <p:cSld>
     <p:spTree>
@@ -3868,7 +3801,7 @@
 </p:sld>
 </file>
 
-<file path=ppt/slides/slide16.xml><?xml version="1.0" encoding="utf-8"?>
+<file path=ppt/slides/slide15.xml><?xml version="1.0" encoding="utf-8"?>
 <p:sld xmlns:a="http://schemas.openxmlformats.org/drawingml/2006/main" xmlns:r="http://schemas.openxmlformats.org/officeDocument/2006/relationships" xmlns:p="http://schemas.openxmlformats.org/presentationml/2006/main">
   <p:cSld>
     <p:spTree>
@@ -3994,7 +3927,7 @@
 </p:sld>
 </file>
 
-<file path=ppt/slides/slide17.xml><?xml version="1.0" encoding="utf-8"?>
+<file path=ppt/slides/slide16.xml><?xml version="1.0" encoding="utf-8"?>
 <p:sld xmlns:a="http://schemas.openxmlformats.org/drawingml/2006/main" xmlns:r="http://schemas.openxmlformats.org/officeDocument/2006/relationships" xmlns:p="http://schemas.openxmlformats.org/presentationml/2006/main">
   <p:cSld>
     <p:spTree>
@@ -4285,7 +4218,7 @@
 </p:sld>
 </file>
 
-<file path=ppt/slides/slide18.xml><?xml version="1.0" encoding="utf-8"?>
+<file path=ppt/slides/slide17.xml><?xml version="1.0" encoding="utf-8"?>
 <p:sld xmlns:a="http://schemas.openxmlformats.org/drawingml/2006/main" xmlns:r="http://schemas.openxmlformats.org/officeDocument/2006/relationships" xmlns:p="http://schemas.openxmlformats.org/presentationml/2006/main">
   <p:cSld>
     <p:spTree>
@@ -4423,7 +4356,7 @@
 </p:sld>
 </file>
 
-<file path=ppt/slides/slide19.xml><?xml version="1.0" encoding="utf-8"?>
+<file path=ppt/slides/slide18.xml><?xml version="1.0" encoding="utf-8"?>
 <p:sld xmlns:a="http://schemas.openxmlformats.org/drawingml/2006/main" xmlns:r="http://schemas.openxmlformats.org/officeDocument/2006/relationships" xmlns:p="http://schemas.openxmlformats.org/presentationml/2006/main">
   <p:cSld>
     <p:spTree>
@@ -4579,6 +4512,151 @@
 </p:sld>
 </file>
 
+<file path=ppt/slides/slide19.xml><?xml version="1.0" encoding="utf-8"?>
+<p:sld xmlns:a="http://schemas.openxmlformats.org/drawingml/2006/main" xmlns:r="http://schemas.openxmlformats.org/officeDocument/2006/relationships" xmlns:p="http://schemas.openxmlformats.org/presentationml/2006/main">
+  <p:cSld>
+    <p:spTree>
+      <p:nvGrpSpPr>
+        <p:cNvPr id="1" name=""/>
+        <p:cNvGrpSpPr/>
+        <p:nvPr/>
+      </p:nvGrpSpPr>
+      <p:grpSpPr>
+        <a:xfrm>
+          <a:off x="0" y="0"/>
+          <a:ext cx="0" cy="0"/>
+          <a:chOff x="0" y="0"/>
+          <a:chExt cx="0" cy="0"/>
+        </a:xfrm>
+      </p:grpSpPr>
+      <p:sp>
+        <p:nvSpPr>
+          <p:cNvPr id="2" name="Title 1"/>
+          <p:cNvSpPr>
+            <a:spLocks noGrp="1"/>
+          </p:cNvSpPr>
+          <p:nvPr>
+            <p:ph type="title"/>
+          </p:nvPr>
+        </p:nvSpPr>
+        <p:spPr/>
+        <p:txBody>
+          <a:bodyPr/>
+          <a:lstStyle/>
+          <a:p>
+            <a:endParaRPr lang="bg-BG"/>
+          </a:p>
+        </p:txBody>
+      </p:sp>
+      <p:sp>
+        <p:nvSpPr>
+          <p:cNvPr id="3" name="Content Placeholder 2"/>
+          <p:cNvSpPr>
+            <a:spLocks noGrp="1"/>
+          </p:cNvSpPr>
+          <p:nvPr>
+            <p:ph idx="1"/>
+          </p:nvPr>
+        </p:nvSpPr>
+        <p:spPr/>
+        <p:txBody>
+          <a:bodyPr/>
+          <a:lstStyle/>
+          <a:p>
+            <a:endParaRPr lang="bg-BG"/>
+          </a:p>
+        </p:txBody>
+      </p:sp>
+      <p:pic>
+        <p:nvPicPr>
+          <p:cNvPr id="3074" name="Picture 2" descr="Related image"/>
+          <p:cNvPicPr>
+            <a:picLocks noChangeAspect="1" noChangeArrowheads="1"/>
+          </p:cNvPicPr>
+          <p:nvPr/>
+        </p:nvPicPr>
+        <p:blipFill rotWithShape="1">
+          <a:blip r:embed="rId2">
+            <a:extLst>
+              <a:ext uri="{28A0092B-C50C-407E-A947-70E740481C1C}">
+                <a14:useLocalDpi xmlns:a14="http://schemas.microsoft.com/office/drawing/2010/main" val="0"/>
+              </a:ext>
+            </a:extLst>
+          </a:blip>
+          <a:srcRect b="-84"/>
+          <a:stretch/>
+        </p:blipFill>
+        <p:spPr bwMode="auto">
+          <a:xfrm>
+            <a:off x="0" y="0"/>
+            <a:ext cx="13445569" cy="7020000"/>
+          </a:xfrm>
+          <a:prstGeom prst="rect">
+            <a:avLst/>
+          </a:prstGeom>
+          <a:extLst>
+            <a:ext uri="{909E8E84-426E-40DD-AFC4-6F175D3DCCD1}">
+              <a14:hiddenFill xmlns:a14="http://schemas.microsoft.com/office/drawing/2010/main">
+                <a:solidFill>
+                  <a:srgbClr val="FFFFFF"/>
+                </a:solidFill>
+              </a14:hiddenFill>
+            </a:ext>
+          </a:extLst>
+        </p:spPr>
+      </p:pic>
+      <p:sp>
+        <p:nvSpPr>
+          <p:cNvPr id="4" name="TextBox 3"/>
+          <p:cNvSpPr txBox="1"/>
+          <p:nvPr/>
+        </p:nvSpPr>
+        <p:spPr>
+          <a:xfrm>
+            <a:off x="3141384" y="625296"/>
+            <a:ext cx="7162800" cy="1200329"/>
+          </a:xfrm>
+          <a:prstGeom prst="rect">
+            <a:avLst/>
+          </a:prstGeom>
+          <a:noFill/>
+        </p:spPr>
+        <p:txBody>
+          <a:bodyPr wrap="square" rtlCol="0">
+            <a:spAutoFit/>
+          </a:bodyPr>
+          <a:lstStyle/>
+          <a:p>
+            <a:pPr algn="ctr"/>
+            <a:r>
+              <a:rPr lang="en-US" sz="7200" dirty="0" smtClean="0">
+                <a:solidFill>
+                  <a:schemeClr val="bg1"/>
+                </a:solidFill>
+              </a:rPr>
+              <a:t>Thank you!</a:t>
+            </a:r>
+            <a:endParaRPr lang="bg-BG" sz="7200" dirty="0">
+              <a:solidFill>
+                <a:schemeClr val="bg1"/>
+              </a:solidFill>
+            </a:endParaRPr>
+          </a:p>
+        </p:txBody>
+      </p:sp>
+    </p:spTree>
+    <p:extLst>
+      <p:ext uri="{BB962C8B-B14F-4D97-AF65-F5344CB8AC3E}">
+        <p14:creationId xmlns:p14="http://schemas.microsoft.com/office/powerpoint/2010/main" val="2704833015"/>
+      </p:ext>
+    </p:extLst>
+  </p:cSld>
+  <p:clrMapOvr>
+    <a:masterClrMapping/>
+  </p:clrMapOvr>
+</p:sld>
+</file>
+
 <file path=ppt/slides/slide2.xml><?xml version="1.0" encoding="utf-8"?>
 <p:sld xmlns:a="http://schemas.openxmlformats.org/drawingml/2006/main" xmlns:r="http://schemas.openxmlformats.org/officeDocument/2006/relationships" xmlns:p="http://schemas.openxmlformats.org/presentationml/2006/main">
   <p:cSld>
@@ -4658,153 +4736,6 @@
     <p:extLst>
       <p:ext uri="{BB962C8B-B14F-4D97-AF65-F5344CB8AC3E}">
         <p14:creationId xmlns:p14="http://schemas.microsoft.com/office/powerpoint/2010/main" val="3805459270"/>
-      </p:ext>
-    </p:extLst>
-  </p:cSld>
-  <p:clrMapOvr>
-    <a:masterClrMapping/>
-  </p:clrMapOvr>
-</p:sld>
-</file>
-
-<file path=ppt/slides/slide20.xml><?xml version="1.0" encoding="utf-8"?>
-<p:sld xmlns:a="http://schemas.openxmlformats.org/drawingml/2006/main" xmlns:r="http://schemas.openxmlformats.org/officeDocument/2006/relationships" xmlns:p="http://schemas.openxmlformats.org/presentationml/2006/main">
-  <p:cSld>
-    <p:spTree>
-      <p:nvGrpSpPr>
-        <p:cNvPr id="1" name=""/>
-        <p:cNvGrpSpPr/>
-        <p:nvPr/>
-      </p:nvGrpSpPr>
-      <p:grpSpPr>
-        <a:xfrm>
-          <a:off x="0" y="0"/>
-          <a:ext cx="0" cy="0"/>
-          <a:chOff x="0" y="0"/>
-          <a:chExt cx="0" cy="0"/>
-        </a:xfrm>
-      </p:grpSpPr>
-      <p:sp>
-        <p:nvSpPr>
-          <p:cNvPr id="2" name="Title 1"/>
-          <p:cNvSpPr>
-            <a:spLocks noGrp="1"/>
-          </p:cNvSpPr>
-          <p:nvPr>
-            <p:ph type="title"/>
-          </p:nvPr>
-        </p:nvSpPr>
-        <p:spPr/>
-        <p:txBody>
-          <a:bodyPr/>
-          <a:lstStyle/>
-          <a:p>
-            <a:endParaRPr lang="bg-BG"/>
-          </a:p>
-        </p:txBody>
-      </p:sp>
-      <p:sp>
-        <p:nvSpPr>
-          <p:cNvPr id="3" name="Content Placeholder 2"/>
-          <p:cNvSpPr>
-            <a:spLocks noGrp="1"/>
-          </p:cNvSpPr>
-          <p:nvPr>
-            <p:ph idx="1"/>
-          </p:nvPr>
-        </p:nvSpPr>
-        <p:spPr/>
-        <p:txBody>
-          <a:bodyPr/>
-          <a:lstStyle/>
-          <a:p>
-            <a:endParaRPr lang="bg-BG"/>
-          </a:p>
-        </p:txBody>
-      </p:sp>
-      <p:pic>
-        <p:nvPicPr>
-          <p:cNvPr id="3074" name="Picture 2" descr="Related image"/>
-          <p:cNvPicPr>
-            <a:picLocks noChangeAspect="1" noChangeArrowheads="1"/>
-          </p:cNvPicPr>
-          <p:nvPr/>
-        </p:nvPicPr>
-        <p:blipFill>
-          <a:blip r:embed="rId2">
-            <a:extLst>
-              <a:ext uri="{28A0092B-C50C-407E-A947-70E740481C1C}">
-                <a14:useLocalDpi xmlns:a14="http://schemas.microsoft.com/office/drawing/2010/main" val="0"/>
-              </a:ext>
-            </a:extLst>
-          </a:blip>
-          <a:srcRect/>
-          <a:stretch>
-            <a:fillRect/>
-          </a:stretch>
-        </p:blipFill>
-        <p:spPr bwMode="auto">
-          <a:xfrm>
-            <a:off x="381000" y="597605"/>
-            <a:ext cx="11430000" cy="5962650"/>
-          </a:xfrm>
-          <a:prstGeom prst="rect">
-            <a:avLst/>
-          </a:prstGeom>
-          <a:extLst>
-            <a:ext uri="{909E8E84-426E-40DD-AFC4-6F175D3DCCD1}">
-              <a14:hiddenFill xmlns:a14="http://schemas.microsoft.com/office/drawing/2010/main">
-                <a:solidFill>
-                  <a:srgbClr val="FFFFFF"/>
-                </a:solidFill>
-              </a14:hiddenFill>
-            </a:ext>
-          </a:extLst>
-        </p:spPr>
-      </p:pic>
-      <p:sp>
-        <p:nvSpPr>
-          <p:cNvPr id="4" name="TextBox 3"/>
-          <p:cNvSpPr txBox="1"/>
-          <p:nvPr/>
-        </p:nvSpPr>
-        <p:spPr>
-          <a:xfrm>
-            <a:off x="2171700" y="1090523"/>
-            <a:ext cx="7162800" cy="1200329"/>
-          </a:xfrm>
-          <a:prstGeom prst="rect">
-            <a:avLst/>
-          </a:prstGeom>
-          <a:noFill/>
-        </p:spPr>
-        <p:txBody>
-          <a:bodyPr wrap="square" rtlCol="0">
-            <a:spAutoFit/>
-          </a:bodyPr>
-          <a:lstStyle/>
-          <a:p>
-            <a:pPr algn="ctr"/>
-            <a:r>
-              <a:rPr lang="en-US" sz="7200" dirty="0" smtClean="0">
-                <a:solidFill>
-                  <a:schemeClr val="bg1"/>
-                </a:solidFill>
-              </a:rPr>
-              <a:t>Thank you!</a:t>
-            </a:r>
-            <a:endParaRPr lang="bg-BG" sz="7200" dirty="0">
-              <a:solidFill>
-                <a:schemeClr val="bg1"/>
-              </a:solidFill>
-            </a:endParaRPr>
-          </a:p>
-        </p:txBody>
-      </p:sp>
-    </p:spTree>
-    <p:extLst>
-      <p:ext uri="{BB962C8B-B14F-4D97-AF65-F5344CB8AC3E}">
-        <p14:creationId xmlns:p14="http://schemas.microsoft.com/office/powerpoint/2010/main" val="2704833015"/>
       </p:ext>
     </p:extLst>
   </p:cSld>
@@ -4871,7 +4802,17 @@
           <a:p>
             <a:r>
               <a:rPr lang="en-US" dirty="0" smtClean="0"/>
-              <a:t>To predict the medal winners in the men’s event at the 2018 Olympics in </a:t>
+              <a:t>To observe each of the competitors ranked top 10 in the world’s scoring trends and potential </a:t>
+            </a:r>
+          </a:p>
+          <a:p>
+            <a:r>
+              <a:rPr lang="en-US" dirty="0" smtClean="0"/>
+              <a:t>To </a:t>
+            </a:r>
+            <a:r>
+              <a:rPr lang="en-US" dirty="0" smtClean="0"/>
+              <a:t>predict the medal winners in the men’s event at the 2018 Olympics in </a:t>
             </a:r>
             <a:r>
               <a:rPr lang="en-US" dirty="0" err="1" smtClean="0"/>
@@ -4879,8 +4820,21 @@
             </a:r>
             <a:r>
               <a:rPr lang="en-US" dirty="0" smtClean="0"/>
-              <a:t>  by analyzing data about the performance and scores over the last two (2016/2017 and 2017/2018) figure skating seasons of the skaters ranked top 10 in the world by the International Skating Union</a:t>
-            </a:r>
+              <a:t>  </a:t>
+            </a:r>
+          </a:p>
+          <a:p>
+            <a:r>
+              <a:rPr lang="en-US" dirty="0" smtClean="0"/>
+              <a:t>Through</a:t>
+            </a:r>
+            <a:r>
+              <a:rPr lang="en-US" dirty="0" smtClean="0"/>
+              <a:t> an analysis of figure skating scores over the last two (2016/2017 and 2017/2018) figure skating seasons, published by the International Skating Union</a:t>
+            </a:r>
+          </a:p>
+          <a:p>
+            <a:endParaRPr lang="en-US" dirty="0" smtClean="0"/>
           </a:p>
         </p:txBody>
       </p:sp>
@@ -5074,7 +5028,11 @@
           <a:p>
             <a:r>
               <a:rPr lang="en-US" dirty="0" smtClean="0"/>
-              <a:t>Scrapable ISU protocols data on: </a:t>
+              <a:t>Scraping-friendly </a:t>
+            </a:r>
+            <a:r>
+              <a:rPr lang="en-US" dirty="0" smtClean="0"/>
+              <a:t>ISU protocols data on: </a:t>
             </a:r>
             <a:r>
               <a:rPr lang="en-US" dirty="0" smtClean="0">
@@ -5289,11 +5247,11 @@
           <a:p>
             <a:r>
               <a:rPr lang="en-US" dirty="0" smtClean="0"/>
-              <a:t>Methods: </a:t>
-            </a:r>
-            <a:r>
-              <a:rPr lang="en-US" dirty="0" smtClean="0"/>
-              <a:t>Plotting skaters data</a:t>
+              <a:t>Methods: Plotting </a:t>
+            </a:r>
+            <a:r>
+              <a:rPr lang="en-US" dirty="0" smtClean="0"/>
+              <a:t>Strengths and Weaknesses</a:t>
             </a:r>
             <a:endParaRPr lang="bg-BG" dirty="0"/>
           </a:p>
@@ -5316,7 +5274,7 @@
           <a:p>
             <a:r>
               <a:rPr lang="en-US" dirty="0" smtClean="0"/>
-              <a:t>Comparison of top 10 skaters strengths and weaknesses</a:t>
+              <a:t>Short program vs long program score</a:t>
             </a:r>
             <a:endParaRPr lang="bg-BG" dirty="0"/>
           </a:p>
@@ -5324,22 +5282,28 @@
       </p:sp>
       <p:pic>
         <p:nvPicPr>
-          <p:cNvPr id="4" name="Picture 3"/>
+          <p:cNvPr id="5" name="Picture 4"/>
           <p:cNvPicPr>
             <a:picLocks noChangeAspect="1"/>
           </p:cNvPicPr>
           <p:nvPr/>
         </p:nvPicPr>
         <p:blipFill>
-          <a:blip r:embed="rId2"/>
+          <a:blip r:embed="rId2">
+            <a:extLst>
+              <a:ext uri="{28A0092B-C50C-407E-A947-70E740481C1C}">
+                <a14:useLocalDpi xmlns:a14="http://schemas.microsoft.com/office/drawing/2010/main" val="0"/>
+              </a:ext>
+            </a:extLst>
+          </a:blip>
           <a:stretch>
             <a:fillRect/>
           </a:stretch>
         </p:blipFill>
         <p:spPr>
           <a:xfrm>
-            <a:off x="2722239" y="2263135"/>
-            <a:ext cx="5852172" cy="4389129"/>
+            <a:off x="3160770" y="2460575"/>
+            <a:ext cx="5870460" cy="3986792"/>
           </a:xfrm>
           <a:prstGeom prst="rect">
             <a:avLst/>
@@ -5391,6 +5355,14 @@
           <a:bodyPr/>
           <a:lstStyle/>
           <a:p>
+            <a:r>
+              <a:rPr lang="en-US" dirty="0" smtClean="0"/>
+              <a:t>Methods: Plotting </a:t>
+            </a:r>
+            <a:r>
+              <a:rPr lang="en-US" dirty="0" smtClean="0"/>
+              <a:t>Strengths and Weaknesses</a:t>
+            </a:r>
             <a:endParaRPr lang="bg-BG" dirty="0"/>
           </a:p>
         </p:txBody>
@@ -5410,6 +5382,10 @@
           <a:bodyPr/>
           <a:lstStyle/>
           <a:p>
+            <a:r>
+              <a:rPr lang="en-US" dirty="0" smtClean="0"/>
+              <a:t>Long program technical mark vs long program component mark</a:t>
+            </a:r>
             <a:endParaRPr lang="bg-BG" dirty="0"/>
           </a:p>
         </p:txBody>
@@ -5423,39 +5399,21 @@
           <p:nvPr/>
         </p:nvPicPr>
         <p:blipFill>
-          <a:blip r:embed="rId2"/>
+          <a:blip r:embed="rId2">
+            <a:extLst>
+              <a:ext uri="{28A0092B-C50C-407E-A947-70E740481C1C}">
+                <a14:useLocalDpi xmlns:a14="http://schemas.microsoft.com/office/drawing/2010/main" val="0"/>
+              </a:ext>
+            </a:extLst>
+          </a:blip>
           <a:stretch>
             <a:fillRect/>
           </a:stretch>
         </p:blipFill>
         <p:spPr>
           <a:xfrm>
-            <a:off x="352805" y="1042988"/>
-            <a:ext cx="5499953" cy="4124965"/>
-          </a:xfrm>
-          <a:prstGeom prst="rect">
-            <a:avLst/>
-          </a:prstGeom>
-        </p:spPr>
-      </p:pic>
-      <p:pic>
-        <p:nvPicPr>
-          <p:cNvPr id="5" name="Picture 4"/>
-          <p:cNvPicPr>
-            <a:picLocks noChangeAspect="1"/>
-          </p:cNvPicPr>
-          <p:nvPr/>
-        </p:nvPicPr>
-        <p:blipFill>
-          <a:blip r:embed="rId3"/>
-          <a:stretch>
-            <a:fillRect/>
-          </a:stretch>
-        </p:blipFill>
-        <p:spPr>
-          <a:xfrm>
-            <a:off x="5900383" y="1042988"/>
-            <a:ext cx="5501042" cy="4125781"/>
+            <a:off x="3055614" y="2443137"/>
+            <a:ext cx="6080772" cy="3986792"/>
           </a:xfrm>
           <a:prstGeom prst="rect">
             <a:avLst/>
@@ -5465,7 +5423,7 @@
     </p:spTree>
     <p:extLst>
       <p:ext uri="{BB962C8B-B14F-4D97-AF65-F5344CB8AC3E}">
-        <p14:creationId xmlns:p14="http://schemas.microsoft.com/office/powerpoint/2010/main" val="3375509347"/>
+        <p14:creationId xmlns:p14="http://schemas.microsoft.com/office/powerpoint/2010/main" val="1005586917"/>
       </p:ext>
     </p:extLst>
   </p:cSld>
@@ -5507,32 +5465,17 @@
           <a:bodyPr/>
           <a:lstStyle/>
           <a:p>
-            <a:endParaRPr lang="bg-BG"/>
-          </a:p>
-        </p:txBody>
-      </p:sp>
-      <p:sp>
-        <p:nvSpPr>
-          <p:cNvPr id="3" name="Content Placeholder 2"/>
-          <p:cNvSpPr>
-            <a:spLocks noGrp="1"/>
-          </p:cNvSpPr>
-          <p:nvPr>
-            <p:ph idx="1"/>
-          </p:nvPr>
-        </p:nvSpPr>
-        <p:spPr/>
-        <p:txBody>
-          <a:bodyPr/>
-          <a:lstStyle/>
-          <a:p>
-            <a:endParaRPr lang="bg-BG"/>
+            <a:r>
+              <a:rPr lang="en-US" dirty="0" smtClean="0"/>
+              <a:t>Methods: Box Plot</a:t>
+            </a:r>
+            <a:endParaRPr lang="bg-BG" dirty="0"/>
           </a:p>
         </p:txBody>
       </p:sp>
       <p:pic>
         <p:nvPicPr>
-          <p:cNvPr id="4" name="Picture 3"/>
+          <p:cNvPr id="3" name="Picture 2"/>
           <p:cNvPicPr>
             <a:picLocks noChangeAspect="1"/>
           </p:cNvPicPr>
@@ -5546,8 +5489,32 @@
         </p:blipFill>
         <p:spPr>
           <a:xfrm>
-            <a:off x="2960364" y="1147763"/>
-            <a:ext cx="5852172" cy="4389129"/>
+            <a:off x="904483" y="1690688"/>
+            <a:ext cx="5191517" cy="4306832"/>
+          </a:xfrm>
+          <a:prstGeom prst="rect">
+            <a:avLst/>
+          </a:prstGeom>
+        </p:spPr>
+      </p:pic>
+      <p:pic>
+        <p:nvPicPr>
+          <p:cNvPr id="8" name="Picture 7"/>
+          <p:cNvPicPr>
+            <a:picLocks noChangeAspect="1"/>
+          </p:cNvPicPr>
+          <p:nvPr/>
+        </p:nvPicPr>
+        <p:blipFill>
+          <a:blip r:embed="rId3"/>
+          <a:stretch>
+            <a:fillRect/>
+          </a:stretch>
+        </p:blipFill>
+        <p:spPr>
+          <a:xfrm>
+            <a:off x="6228566" y="1690688"/>
+            <a:ext cx="5191517" cy="4306832"/>
           </a:xfrm>
           <a:prstGeom prst="rect">
             <a:avLst/>
@@ -5557,7 +5524,7 @@
     </p:spTree>
     <p:extLst>
       <p:ext uri="{BB962C8B-B14F-4D97-AF65-F5344CB8AC3E}">
-        <p14:creationId xmlns:p14="http://schemas.microsoft.com/office/powerpoint/2010/main" val="2692348802"/>
+        <p14:creationId xmlns:p14="http://schemas.microsoft.com/office/powerpoint/2010/main" val="1707265198"/>
       </p:ext>
     </p:extLst>
   </p:cSld>
